--- a/eshoponcontainer/eshoponcontainers_ApplicationDesign.pptx
+++ b/eshoponcontainer/eshoponcontainers_ApplicationDesign.pptx
@@ -5,12 +5,14 @@
     <p:sldMasterId id="2147483648" r:id="rId1"/>
   </p:sldMasterIdLst>
   <p:notesMasterIdLst>
-    <p:notesMasterId r:id="rId5"/>
+    <p:notesMasterId r:id="rId7"/>
   </p:notesMasterIdLst>
   <p:sldIdLst>
     <p:sldId id="257" r:id="rId2"/>
     <p:sldId id="256" r:id="rId3"/>
     <p:sldId id="258" r:id="rId4"/>
+    <p:sldId id="259" r:id="rId5"/>
+    <p:sldId id="260" r:id="rId6"/>
   </p:sldIdLst>
   <p:sldSz cx="12192000" cy="6858000"/>
   <p:notesSz cx="6858000" cy="9144000"/>
@@ -199,7 +201,7 @@
           <a:p>
             <a:fld id="{B40FF7E5-705A-4189-9AB7-C15B5843563E}" type="datetimeFigureOut">
               <a:rPr lang="en-IN" smtClean="0"/>
-              <a:t>30-06-2024</a:t>
+              <a:t>01-07-2024</a:t>
             </a:fld>
             <a:endParaRPr lang="en-IN"/>
           </a:p>
@@ -616,7 +618,7 @@
           <a:p>
             <a:fld id="{B7B0F15F-8E37-4573-971F-36C6DA27506A}" type="datetimeFigureOut">
               <a:rPr lang="en-IN" smtClean="0"/>
-              <a:t>30-06-2024</a:t>
+              <a:t>01-07-2024</a:t>
             </a:fld>
             <a:endParaRPr lang="en-IN"/>
           </a:p>
@@ -816,7 +818,7 @@
           <a:p>
             <a:fld id="{B7B0F15F-8E37-4573-971F-36C6DA27506A}" type="datetimeFigureOut">
               <a:rPr lang="en-IN" smtClean="0"/>
-              <a:t>30-06-2024</a:t>
+              <a:t>01-07-2024</a:t>
             </a:fld>
             <a:endParaRPr lang="en-IN"/>
           </a:p>
@@ -1026,7 +1028,7 @@
           <a:p>
             <a:fld id="{B7B0F15F-8E37-4573-971F-36C6DA27506A}" type="datetimeFigureOut">
               <a:rPr lang="en-IN" smtClean="0"/>
-              <a:t>30-06-2024</a:t>
+              <a:t>01-07-2024</a:t>
             </a:fld>
             <a:endParaRPr lang="en-IN"/>
           </a:p>
@@ -1226,7 +1228,7 @@
           <a:p>
             <a:fld id="{B7B0F15F-8E37-4573-971F-36C6DA27506A}" type="datetimeFigureOut">
               <a:rPr lang="en-IN" smtClean="0"/>
-              <a:t>30-06-2024</a:t>
+              <a:t>01-07-2024</a:t>
             </a:fld>
             <a:endParaRPr lang="en-IN"/>
           </a:p>
@@ -1502,7 +1504,7 @@
           <a:p>
             <a:fld id="{B7B0F15F-8E37-4573-971F-36C6DA27506A}" type="datetimeFigureOut">
               <a:rPr lang="en-IN" smtClean="0"/>
-              <a:t>30-06-2024</a:t>
+              <a:t>01-07-2024</a:t>
             </a:fld>
             <a:endParaRPr lang="en-IN"/>
           </a:p>
@@ -1770,7 +1772,7 @@
           <a:p>
             <a:fld id="{B7B0F15F-8E37-4573-971F-36C6DA27506A}" type="datetimeFigureOut">
               <a:rPr lang="en-IN" smtClean="0"/>
-              <a:t>30-06-2024</a:t>
+              <a:t>01-07-2024</a:t>
             </a:fld>
             <a:endParaRPr lang="en-IN"/>
           </a:p>
@@ -2185,7 +2187,7 @@
           <a:p>
             <a:fld id="{B7B0F15F-8E37-4573-971F-36C6DA27506A}" type="datetimeFigureOut">
               <a:rPr lang="en-IN" smtClean="0"/>
-              <a:t>30-06-2024</a:t>
+              <a:t>01-07-2024</a:t>
             </a:fld>
             <a:endParaRPr lang="en-IN"/>
           </a:p>
@@ -2327,7 +2329,7 @@
           <a:p>
             <a:fld id="{B7B0F15F-8E37-4573-971F-36C6DA27506A}" type="datetimeFigureOut">
               <a:rPr lang="en-IN" smtClean="0"/>
-              <a:t>30-06-2024</a:t>
+              <a:t>01-07-2024</a:t>
             </a:fld>
             <a:endParaRPr lang="en-IN"/>
           </a:p>
@@ -2440,7 +2442,7 @@
           <a:p>
             <a:fld id="{B7B0F15F-8E37-4573-971F-36C6DA27506A}" type="datetimeFigureOut">
               <a:rPr lang="en-IN" smtClean="0"/>
-              <a:t>30-06-2024</a:t>
+              <a:t>01-07-2024</a:t>
             </a:fld>
             <a:endParaRPr lang="en-IN"/>
           </a:p>
@@ -2753,7 +2755,7 @@
           <a:p>
             <a:fld id="{B7B0F15F-8E37-4573-971F-36C6DA27506A}" type="datetimeFigureOut">
               <a:rPr lang="en-IN" smtClean="0"/>
-              <a:t>30-06-2024</a:t>
+              <a:t>01-07-2024</a:t>
             </a:fld>
             <a:endParaRPr lang="en-IN"/>
           </a:p>
@@ -3042,7 +3044,7 @@
           <a:p>
             <a:fld id="{B7B0F15F-8E37-4573-971F-36C6DA27506A}" type="datetimeFigureOut">
               <a:rPr lang="en-IN" smtClean="0"/>
-              <a:t>30-06-2024</a:t>
+              <a:t>01-07-2024</a:t>
             </a:fld>
             <a:endParaRPr lang="en-IN"/>
           </a:p>
@@ -3285,7 +3287,7 @@
           <a:p>
             <a:fld id="{B7B0F15F-8E37-4573-971F-36C6DA27506A}" type="datetimeFigureOut">
               <a:rPr lang="en-IN" smtClean="0"/>
-              <a:t>30-06-2024</a:t>
+              <a:t>01-07-2024</a:t>
             </a:fld>
             <a:endParaRPr lang="en-IN"/>
           </a:p>
@@ -3720,8 +3722,8 @@
         </p:nvSpPr>
         <p:spPr>
           <a:xfrm>
-            <a:off x="838200" y="2611176"/>
-            <a:ext cx="10515600" cy="1325563"/>
+            <a:off x="172375" y="2611176"/>
+            <a:ext cx="11634926" cy="1325563"/>
           </a:xfrm>
         </p:spPr>
         <p:txBody>
@@ -3731,7 +3733,15 @@
             <a:pPr algn="ctr"/>
             <a:r>
               <a:rPr lang="en-US" dirty="0"/>
-              <a:t>Order &amp; Buyer – Aggregate Flow</a:t>
+              <a:t>Order Checkout &amp; </a:t>
+            </a:r>
+            <a:r>
+              <a:rPr lang="en-US" dirty="0" err="1"/>
+              <a:t>OrderSubmitted</a:t>
+            </a:r>
+            <a:r>
+              <a:rPr lang="en-US" dirty="0"/>
+              <a:t> Event Flow</a:t>
             </a:r>
             <a:endParaRPr lang="en-IN" dirty="0"/>
           </a:p>
@@ -3781,7 +3791,7 @@
         </p:nvSpPr>
         <p:spPr>
           <a:xfrm>
-            <a:off x="3450877" y="88776"/>
+            <a:off x="3451722" y="74948"/>
             <a:ext cx="8493155" cy="6599435"/>
           </a:xfrm>
           <a:prstGeom prst="rect">
@@ -3810,7 +3820,7 @@
           <a:lstStyle/>
           <a:p>
             <a:pPr algn="ctr"/>
-            <a:endParaRPr lang="en-IN"/>
+            <a:endParaRPr lang="en-IN" dirty="0"/>
           </a:p>
         </p:txBody>
       </p:sp>
@@ -3835,57 +3845,7 @@
             <a:avLst/>
           </a:prstGeom>
           <a:solidFill>
-            <a:schemeClr val="accent2">
-              <a:lumMod val="20000"/>
-              <a:lumOff val="80000"/>
-            </a:schemeClr>
-          </a:solidFill>
-        </p:spPr>
-        <p:txBody>
-          <a:bodyPr wrap="square" rtlCol="0">
-            <a:spAutoFit/>
-          </a:bodyPr>
-          <a:lstStyle/>
-          <a:p>
-            <a:pPr algn="ctr"/>
-            <a:r>
-              <a:rPr lang="en-US" sz="1200" dirty="0" err="1"/>
-              <a:t>UserCheckoutAcceptedIntegrationEventHandler</a:t>
-            </a:r>
-            <a:endParaRPr lang="en-US" sz="1200" dirty="0"/>
-          </a:p>
-          <a:p>
-            <a:pPr algn="ctr"/>
-            <a:r>
-              <a:rPr lang="en-US" sz="1200" dirty="0"/>
-              <a:t>.Handle()</a:t>
-            </a:r>
-            <a:endParaRPr lang="en-IN" sz="1200" dirty="0"/>
-          </a:p>
-        </p:txBody>
-      </p:sp>
-      <p:sp>
-        <p:nvSpPr>
-          <p:cNvPr id="7" name="TextBox 6">
-            <a:extLst>
-              <a:ext uri="{FF2B5EF4-FFF2-40B4-BE49-F238E27FC236}">
-                <a16:creationId xmlns:a16="http://schemas.microsoft.com/office/drawing/2014/main" id="{7D2698A0-381A-439F-8150-0854E99868A6}"/>
-              </a:ext>
-            </a:extLst>
-          </p:cNvPr>
-          <p:cNvSpPr txBox="1"/>
-          <p:nvPr/>
-        </p:nvSpPr>
-        <p:spPr>
-          <a:xfrm>
-            <a:off x="116481" y="4189699"/>
-            <a:ext cx="3120272" cy="646331"/>
-          </a:xfrm>
-          <a:prstGeom prst="rect">
-            <a:avLst/>
-          </a:prstGeom>
-          <a:solidFill>
-            <a:schemeClr val="accent2">
+            <a:schemeClr val="accent6">
               <a:lumMod val="20000"/>
               <a:lumOff val="80000"/>
             </a:schemeClr>
@@ -3904,8 +3864,67 @@
           <a:p>
             <a:pPr algn="ctr"/>
             <a:r>
+              <a:rPr lang="en-US" sz="1200" dirty="0" err="1"/>
+              <a:t>UserCheckoutAcceptedIntegrationEventHandler</a:t>
+            </a:r>
+            <a:endParaRPr lang="en-US" sz="1200" dirty="0"/>
+          </a:p>
+          <a:p>
+            <a:pPr algn="ctr"/>
+            <a:r>
               <a:rPr lang="en-US" sz="1200" dirty="0"/>
-              <a:t>Order API – </a:t>
+              <a:t>.Handle()</a:t>
+            </a:r>
+            <a:endParaRPr lang="en-IN" sz="1200" dirty="0"/>
+          </a:p>
+        </p:txBody>
+      </p:sp>
+      <p:sp>
+        <p:nvSpPr>
+          <p:cNvPr id="7" name="TextBox 6">
+            <a:extLst>
+              <a:ext uri="{FF2B5EF4-FFF2-40B4-BE49-F238E27FC236}">
+                <a16:creationId xmlns:a16="http://schemas.microsoft.com/office/drawing/2014/main" id="{7D2698A0-381A-439F-8150-0854E99868A6}"/>
+              </a:ext>
+            </a:extLst>
+          </p:cNvPr>
+          <p:cNvSpPr txBox="1"/>
+          <p:nvPr/>
+        </p:nvSpPr>
+        <p:spPr>
+          <a:xfrm>
+            <a:off x="116481" y="4189699"/>
+            <a:ext cx="3120272" cy="646331"/>
+          </a:xfrm>
+          <a:prstGeom prst="rect">
+            <a:avLst/>
+          </a:prstGeom>
+          <a:solidFill>
+            <a:schemeClr val="accent6">
+              <a:lumMod val="20000"/>
+              <a:lumOff val="80000"/>
+            </a:schemeClr>
+          </a:solidFill>
+          <a:ln>
+            <a:solidFill>
+              <a:schemeClr val="tx1"/>
+            </a:solidFill>
+          </a:ln>
+        </p:spPr>
+        <p:txBody>
+          <a:bodyPr wrap="square" rtlCol="0">
+            <a:spAutoFit/>
+          </a:bodyPr>
+          <a:lstStyle/>
+          <a:p>
+            <a:pPr algn="ctr"/>
+            <a:r>
+              <a:rPr lang="en-US" sz="1200" b="1" dirty="0"/>
+              <a:t>Order API</a:t>
+            </a:r>
+            <a:r>
+              <a:rPr lang="en-US" sz="1200" dirty="0"/>
+              <a:t> – </a:t>
             </a:r>
             <a:r>
               <a:rPr lang="en-US" sz="1200" dirty="0" err="1"/>
@@ -3953,12 +3972,20 @@
         </p:nvSpPr>
         <p:spPr>
           <a:xfrm>
-            <a:off x="974628" y="5111088"/>
+            <a:off x="974628" y="5164356"/>
             <a:ext cx="1394112" cy="420329"/>
           </a:xfrm>
           <a:prstGeom prst="flowChartMagneticDrum">
             <a:avLst/>
           </a:prstGeom>
+          <a:solidFill>
+            <a:srgbClr val="7030A0"/>
+          </a:solidFill>
+          <a:ln>
+            <a:solidFill>
+              <a:schemeClr val="bg1"/>
+            </a:solidFill>
+          </a:ln>
         </p:spPr>
         <p:style>
           <a:lnRef idx="2">
@@ -4008,7 +4035,7 @@
         <p:spPr>
           <a:xfrm flipV="1">
             <a:off x="1671684" y="4836030"/>
-            <a:ext cx="4933" cy="275058"/>
+            <a:ext cx="4933" cy="328326"/>
           </a:xfrm>
           <a:prstGeom prst="straightConnector1">
             <a:avLst/>
@@ -4089,14 +4116,14 @@
         </p:nvSpPr>
         <p:spPr>
           <a:xfrm>
-            <a:off x="859171" y="2273551"/>
+            <a:off x="859171" y="2468863"/>
             <a:ext cx="1688969" cy="461665"/>
           </a:xfrm>
           <a:prstGeom prst="rect">
             <a:avLst/>
           </a:prstGeom>
           <a:solidFill>
-            <a:schemeClr val="accent2">
+            <a:schemeClr val="accent6">
               <a:lumMod val="20000"/>
               <a:lumOff val="80000"/>
             </a:schemeClr>
@@ -4159,8 +4186,8 @@
         </p:nvCxnSpPr>
         <p:spPr>
           <a:xfrm flipV="1">
-            <a:off x="1690807" y="2735216"/>
-            <a:ext cx="12849" cy="553998"/>
+            <a:off x="1690807" y="2930528"/>
+            <a:ext cx="12849" cy="358686"/>
           </a:xfrm>
           <a:prstGeom prst="straightConnector1">
             <a:avLst/>
@@ -4280,14 +4307,14 @@
         </p:nvSpPr>
         <p:spPr>
           <a:xfrm>
-            <a:off x="3742159" y="3460224"/>
-            <a:ext cx="8089059" cy="276999"/>
+            <a:off x="3444128" y="3504614"/>
+            <a:ext cx="8680061" cy="461665"/>
           </a:xfrm>
           <a:prstGeom prst="rect">
             <a:avLst/>
           </a:prstGeom>
           <a:solidFill>
-            <a:schemeClr val="accent2">
+            <a:schemeClr val="accent6">
               <a:lumMod val="20000"/>
               <a:lumOff val="80000"/>
             </a:schemeClr>
@@ -4306,24 +4333,83 @@
           <a:p>
             <a:pPr algn="ctr"/>
             <a:r>
-              <a:rPr lang="en-IN" sz="1200" dirty="0"/>
+              <a:rPr lang="en-IN" sz="1200" b="1" dirty="0"/>
               <a:t>_</a:t>
             </a:r>
             <a:r>
-              <a:rPr lang="en-IN" sz="1200" dirty="0" err="1"/>
+              <a:rPr lang="en-IN" sz="1200" b="1" dirty="0" err="1"/>
               <a:t>orderingIntegrationEventService.AddAndSaveEventAsync</a:t>
             </a:r>
             <a:r>
-              <a:rPr lang="en-IN" sz="1200" dirty="0"/>
+              <a:rPr lang="en-IN" sz="1200" b="1" dirty="0"/>
               <a:t>(</a:t>
             </a:r>
             <a:r>
-              <a:rPr lang="en-IN" sz="1200" dirty="0" err="1"/>
+              <a:rPr lang="en-IN" sz="1200" b="1" dirty="0" err="1"/>
               <a:t>orderStartedIntegrationEvent</a:t>
             </a:r>
             <a:r>
-              <a:rPr lang="en-IN" sz="1200" dirty="0"/>
+              <a:rPr lang="en-IN" sz="1200" b="1" dirty="0"/>
               <a:t>)</a:t>
+            </a:r>
+          </a:p>
+          <a:p>
+            <a:pPr algn="ctr"/>
+            <a:r>
+              <a:rPr lang="en-IN" sz="1200" b="1" i="1" dirty="0">
+                <a:solidFill>
+                  <a:srgbClr val="FF0000"/>
+                </a:solidFill>
+              </a:rPr>
+              <a:t>This publishes </a:t>
+            </a:r>
+            <a:r>
+              <a:rPr lang="en-IN" sz="1200" b="1" i="1" dirty="0" err="1">
+                <a:solidFill>
+                  <a:srgbClr val="FF0000"/>
+                </a:solidFill>
+              </a:rPr>
+              <a:t>orderStartedIntegrationEvent</a:t>
+            </a:r>
+            <a:r>
+              <a:rPr lang="en-IN" sz="1200" b="1" i="1" dirty="0">
+                <a:solidFill>
+                  <a:srgbClr val="FF0000"/>
+                </a:solidFill>
+              </a:rPr>
+              <a:t> to </a:t>
+            </a:r>
+            <a:r>
+              <a:rPr lang="en-IN" sz="1200" b="1" i="1" dirty="0" err="1">
+                <a:solidFill>
+                  <a:srgbClr val="FF0000"/>
+                </a:solidFill>
+              </a:rPr>
+              <a:t>servicebus</a:t>
+            </a:r>
+            <a:r>
+              <a:rPr lang="en-IN" sz="1200" b="1" i="1" dirty="0">
+                <a:solidFill>
+                  <a:srgbClr val="FF0000"/>
+                </a:solidFill>
+              </a:rPr>
+              <a:t> via </a:t>
+            </a:r>
+            <a:r>
+              <a:rPr lang="en-IN" sz="1200" b="1" i="1" dirty="0" err="1">
+                <a:solidFill>
+                  <a:srgbClr val="FF0000"/>
+                </a:solidFill>
+              </a:rPr>
+              <a:t>TransactionBehavior</a:t>
+            </a:r>
+            <a:r>
+              <a:rPr lang="en-IN" sz="1200" b="1" i="1" dirty="0">
+                <a:solidFill>
+                  <a:srgbClr val="FF0000"/>
+                </a:solidFill>
+              </a:rPr>
+              <a:t> post processing pipeline as described in next slide</a:t>
             </a:r>
           </a:p>
         </p:txBody>
@@ -4342,14 +4428,14 @@
         </p:nvSpPr>
         <p:spPr>
           <a:xfrm>
-            <a:off x="3753749" y="2347828"/>
+            <a:off x="3753749" y="2534261"/>
             <a:ext cx="8089064" cy="276999"/>
           </a:xfrm>
           <a:prstGeom prst="rect">
             <a:avLst/>
           </a:prstGeom>
           <a:solidFill>
-            <a:schemeClr val="accent2">
+            <a:schemeClr val="accent6">
               <a:lumMod val="20000"/>
               <a:lumOff val="80000"/>
             </a:schemeClr>
@@ -4424,8 +4510,8 @@
         </p:nvCxnSpPr>
         <p:spPr>
           <a:xfrm flipH="1">
-            <a:off x="7786689" y="2624827"/>
-            <a:ext cx="11592" cy="835397"/>
+            <a:off x="7784159" y="2811260"/>
+            <a:ext cx="14122" cy="693354"/>
           </a:xfrm>
           <a:prstGeom prst="straightConnector1">
             <a:avLst/>
@@ -4463,7 +4549,7 @@
         </p:nvSpPr>
         <p:spPr>
           <a:xfrm>
-            <a:off x="3406487" y="2828402"/>
+            <a:off x="3406487" y="2775141"/>
             <a:ext cx="8741123" cy="430887"/>
           </a:xfrm>
           <a:prstGeom prst="rect">
@@ -4540,8 +4626,8 @@
         </p:nvSpPr>
         <p:spPr>
           <a:xfrm>
-            <a:off x="7742299" y="1886034"/>
-            <a:ext cx="1489510" cy="261610"/>
+            <a:off x="7742299" y="2107981"/>
+            <a:ext cx="1511952" cy="261610"/>
           </a:xfrm>
           <a:prstGeom prst="rect">
             <a:avLst/>
@@ -4555,10 +4641,10 @@
           <a:lstStyle/>
           <a:p>
             <a:r>
-              <a:rPr lang="en-US" sz="1100" dirty="0" err="1"/>
+              <a:rPr lang="en-US" sz="1100" b="1" dirty="0" err="1"/>
               <a:t>CreateOrderCommand</a:t>
             </a:r>
-            <a:endParaRPr lang="en-IN" sz="1100" dirty="0"/>
+            <a:endParaRPr lang="en-IN" sz="1100" b="1" dirty="0"/>
           </a:p>
         </p:txBody>
       </p:sp>
@@ -4576,7 +4662,7 @@
         </p:nvSpPr>
         <p:spPr>
           <a:xfrm>
-            <a:off x="3611013" y="2075038"/>
+            <a:off x="3611013" y="2305864"/>
             <a:ext cx="7676688" cy="261610"/>
           </a:xfrm>
           <a:prstGeom prst="rect">
@@ -4628,7 +4714,7 @@
         </p:nvSpPr>
         <p:spPr>
           <a:xfrm>
-            <a:off x="7538132" y="1928503"/>
+            <a:off x="7538132" y="2141572"/>
             <a:ext cx="206477" cy="176778"/>
           </a:xfrm>
           <a:prstGeom prst="snipRoundRect">
@@ -4721,7 +4807,7 @@
         <p:spPr>
           <a:xfrm>
             <a:off x="86591" y="225294"/>
-            <a:ext cx="11756221" cy="1631216"/>
+            <a:ext cx="11756221" cy="1846659"/>
           </a:xfrm>
           <a:prstGeom prst="rect">
             <a:avLst/>
@@ -4742,8 +4828,16 @@
           <a:lstStyle/>
           <a:p>
             <a:r>
-              <a:rPr lang="en-IN" sz="1200" dirty="0"/>
-              <a:t>			</a:t>
+              <a:rPr lang="en-IN" sz="1400" b="1" u="sng" dirty="0" err="1"/>
+              <a:t>IPipelineBehavior</a:t>
+            </a:r>
+            <a:r>
+              <a:rPr lang="en-IN" sz="1400" b="1" u="sng" dirty="0"/>
+              <a:t> Pre-Processing Logic:</a:t>
+            </a:r>
+            <a:r>
+              <a:rPr lang="en-IN" sz="1400" b="1" dirty="0"/>
+              <a:t>                  </a:t>
             </a:r>
             <a:r>
               <a:rPr lang="en-IN" sz="1200" dirty="0" err="1"/>
@@ -4800,32 +4894,52 @@
               <a:buChar char="•"/>
             </a:pPr>
             <a:r>
-              <a:rPr lang="en-IN" sz="1200" i="1" dirty="0" err="1"/>
+              <a:rPr lang="en-US" sz="1200" b="1" i="1" dirty="0" err="1">
+                <a:solidFill>
+                  <a:srgbClr val="FF0000"/>
+                </a:solidFill>
+              </a:rPr>
               <a:t>PipelineBehavior.Handle</a:t>
             </a:r>
             <a:r>
-              <a:rPr lang="en-IN" sz="1200" i="1" dirty="0"/>
+              <a:rPr lang="en-US" sz="1200" b="1" i="1" dirty="0">
+                <a:solidFill>
+                  <a:srgbClr val="FF0000"/>
+                </a:solidFill>
+              </a:rPr>
               <a:t>() method executes every time </a:t>
             </a:r>
             <a:r>
-              <a:rPr lang="en-IN" sz="1200" i="1" dirty="0" err="1"/>
+              <a:rPr lang="en-US" sz="1200" b="1" i="1" dirty="0" err="1">
+                <a:solidFill>
+                  <a:srgbClr val="FF0000"/>
+                </a:solidFill>
+              </a:rPr>
               <a:t>mediator.send</a:t>
             </a:r>
             <a:r>
-              <a:rPr lang="en-IN" sz="1200" i="1" dirty="0"/>
-              <a:t>() or publish() is called. It uses </a:t>
-            </a:r>
-            <a:r>
-              <a:rPr lang="en-IN" sz="1600" dirty="0"/>
-              <a:t>await next();</a:t>
-            </a:r>
-            <a:r>
-              <a:rPr lang="en-IN" sz="1200" dirty="0"/>
-              <a:t> </a:t>
-            </a:r>
-            <a:r>
-              <a:rPr lang="en-IN" sz="1200" i="1" dirty="0"/>
-              <a:t>to invoke target handle() method and then does post processing.</a:t>
+              <a:rPr lang="en-US" sz="1200" b="1" i="1" dirty="0">
+                <a:solidFill>
+                  <a:srgbClr val="FF0000"/>
+                </a:solidFill>
+              </a:rPr>
+              <a:t>() or </a:t>
+            </a:r>
+            <a:r>
+              <a:rPr lang="en-US" sz="1200" b="1" i="1" dirty="0" err="1">
+                <a:solidFill>
+                  <a:srgbClr val="FF0000"/>
+                </a:solidFill>
+              </a:rPr>
+              <a:t>mediator.publish</a:t>
+            </a:r>
+            <a:r>
+              <a:rPr lang="en-US" sz="1200" b="1" i="1" dirty="0">
+                <a:solidFill>
+                  <a:srgbClr val="FF0000"/>
+                </a:solidFill>
+              </a:rPr>
+              <a:t>() is called. </a:t>
             </a:r>
           </a:p>
           <a:p>
@@ -4834,48 +4948,60 @@
               <a:buChar char="•"/>
             </a:pPr>
             <a:r>
-              <a:rPr lang="en-IN" sz="1200" i="1" dirty="0"/>
-              <a:t>So, Code snippet in ‘</a:t>
-            </a:r>
-            <a:r>
-              <a:rPr lang="en-IN" sz="1200" i="1" dirty="0" err="1"/>
-              <a:t>ValidationBehaviour</a:t>
-            </a:r>
-            <a:r>
-              <a:rPr lang="en-IN" sz="1200" i="1" dirty="0"/>
-              <a:t>’ executes before </a:t>
+              <a:rPr lang="en-US" sz="1200" i="1" dirty="0"/>
+              <a:t>It uses</a:t>
+            </a:r>
+            <a:r>
+              <a:rPr lang="en-US" sz="1200" b="1" i="1" dirty="0"/>
+              <a:t> await next(); </a:t>
+            </a:r>
+            <a:r>
+              <a:rPr lang="en-US" sz="1200" i="1" dirty="0"/>
+              <a:t>to invoke target handler</a:t>
+            </a:r>
+            <a:r>
+              <a:rPr lang="en-US" sz="1200" b="1" i="1" dirty="0"/>
+              <a:t> </a:t>
+            </a:r>
+            <a:r>
+              <a:rPr lang="en-US" sz="1200" i="1" dirty="0"/>
+              <a:t>handle() method and thus, code that is written ‘before’ </a:t>
             </a:r>
             <a:r>
               <a:rPr lang="en-US" sz="1200" i="1" dirty="0" err="1"/>
-              <a:t>CreateOrderCommandHandler</a:t>
+              <a:t>await.next</a:t>
             </a:r>
             <a:r>
               <a:rPr lang="en-US" sz="1200" i="1" dirty="0"/>
-              <a:t>.</a:t>
-            </a:r>
-            <a:r>
-              <a:rPr lang="en-IN" sz="1200" i="1" dirty="0"/>
-              <a:t>Handle() is invoked. It </a:t>
-            </a:r>
-            <a:r>
-              <a:rPr lang="en-IN" sz="1200" b="1" i="1" dirty="0"/>
-              <a:t>raises exception if ‘</a:t>
-            </a:r>
-            <a:r>
-              <a:rPr lang="en-IN" sz="1200" b="1" i="1" dirty="0" err="1"/>
-              <a:t>CreateOrderCommandValidator</a:t>
-            </a:r>
-            <a:r>
-              <a:rPr lang="en-IN" sz="1200" b="1" i="1" dirty="0"/>
-              <a:t>’ validation fails for </a:t>
-            </a:r>
-            <a:r>
-              <a:rPr lang="en-IN" sz="1200" b="1" i="1" dirty="0" err="1"/>
-              <a:t>createordercommand</a:t>
-            </a:r>
-            <a:r>
-              <a:rPr lang="en-IN" sz="1200" b="1" i="1" dirty="0"/>
-              <a:t> object,  entire pipeline fails.</a:t>
+              <a:t>() then performs </a:t>
+            </a:r>
+            <a:r>
+              <a:rPr lang="en-US" sz="1200" b="1" i="1" dirty="0">
+                <a:solidFill>
+                  <a:srgbClr val="FF0000"/>
+                </a:solidFill>
+              </a:rPr>
+              <a:t>“</a:t>
+            </a:r>
+            <a:r>
+              <a:rPr lang="en-US" sz="1400" b="1" i="1" dirty="0">
+                <a:solidFill>
+                  <a:srgbClr val="FF0000"/>
+                </a:solidFill>
+              </a:rPr>
+              <a:t>pre processing</a:t>
+            </a:r>
+            <a:r>
+              <a:rPr lang="en-US" sz="1200" b="1" i="1" dirty="0">
+                <a:solidFill>
+                  <a:srgbClr val="FF0000"/>
+                </a:solidFill>
+              </a:rPr>
+              <a:t>”</a:t>
+            </a:r>
+            <a:r>
+              <a:rPr lang="en-US" sz="1200" i="1" dirty="0"/>
+              <a:t> logic as explained below</a:t>
             </a:r>
           </a:p>
           <a:p>
@@ -4885,35 +5011,71 @@
             </a:pPr>
             <a:r>
               <a:rPr lang="en-IN" sz="1200" i="1" dirty="0"/>
-              <a:t>Similarly Code snippet in ‘</a:t>
+              <a:t>For example, Code snippet in ‘</a:t>
+            </a:r>
+            <a:r>
+              <a:rPr lang="en-IN" sz="1200" b="1" i="1" dirty="0" err="1"/>
+              <a:t>ValidationBehaviour.handle</a:t>
+            </a:r>
+            <a:r>
+              <a:rPr lang="en-IN" sz="1200" b="1" i="1" dirty="0"/>
+              <a:t>()’ executes before </a:t>
+            </a:r>
+            <a:r>
+              <a:rPr lang="en-US" sz="1200" b="1" i="1" dirty="0" err="1"/>
+              <a:t>CreateOrderCommandHandler</a:t>
+            </a:r>
+            <a:r>
+              <a:rPr lang="en-US" sz="1200" b="1" i="1" dirty="0"/>
+              <a:t>.</a:t>
+            </a:r>
+            <a:r>
+              <a:rPr lang="en-IN" sz="1200" b="1" i="1" dirty="0"/>
+              <a:t>Handle() is invoked</a:t>
+            </a:r>
+            <a:r>
+              <a:rPr lang="en-IN" sz="1200" b="1" i="1" dirty="0">
+                <a:solidFill>
+                  <a:srgbClr val="FF0000"/>
+                </a:solidFill>
+              </a:rPr>
+              <a:t>.</a:t>
+            </a:r>
+            <a:r>
+              <a:rPr lang="en-IN" sz="1200" i="1" dirty="0"/>
+              <a:t> It raises exception if ‘</a:t>
             </a:r>
             <a:r>
               <a:rPr lang="en-IN" sz="1200" i="1" dirty="0" err="1"/>
-              <a:t>TransactionBehaviour</a:t>
+              <a:t>CreateOrderCommandValidator</a:t>
             </a:r>
             <a:r>
               <a:rPr lang="en-IN" sz="1200" i="1" dirty="0"/>
-              <a:t>’ also </a:t>
+              <a:t>’ validation fails for </a:t>
             </a:r>
             <a:r>
               <a:rPr lang="en-IN" sz="1200" i="1" dirty="0" err="1"/>
-              <a:t>parallely</a:t>
+              <a:t>createordercommand</a:t>
             </a:r>
             <a:r>
               <a:rPr lang="en-IN" sz="1200" i="1" dirty="0"/>
-              <a:t> executes before </a:t>
+              <a:t> object, and entire pipeline fails. If validation is successful – then only it calls </a:t>
+            </a:r>
+            <a:r>
+              <a:rPr lang="en-IN" sz="1200" i="1" dirty="0" err="1"/>
+              <a:t>await.next</a:t>
+            </a:r>
+            <a:r>
+              <a:rPr lang="en-IN" sz="1200" i="1" dirty="0"/>
+              <a:t>() to invoke </a:t>
             </a:r>
             <a:r>
               <a:rPr lang="en-US" sz="1200" i="1" dirty="0" err="1"/>
               <a:t>CreateOrderCommandHandler</a:t>
             </a:r>
             <a:r>
-              <a:rPr lang="en-US" sz="1200" i="1" dirty="0"/>
-              <a:t>.</a:t>
-            </a:r>
-            <a:r>
               <a:rPr lang="en-IN" sz="1200" i="1" dirty="0"/>
-              <a:t>Handle() is invoked. </a:t>
+              <a:t>.handle().</a:t>
             </a:r>
           </a:p>
           <a:p>
@@ -4923,27 +5085,35 @@
             </a:pPr>
             <a:r>
               <a:rPr lang="en-IN" sz="1200" i="1" dirty="0" err="1"/>
-              <a:t>TransactionBehaviour</a:t>
+              <a:t>MediatorModule.cs</a:t>
             </a:r>
             <a:r>
               <a:rPr lang="en-IN" sz="1200" i="1" dirty="0"/>
-              <a:t>  wraps all transactions into a </a:t>
+              <a:t> contains registration of </a:t>
             </a:r>
             <a:r>
               <a:rPr lang="en-IN" sz="1200" i="1" dirty="0" err="1"/>
-              <a:t>BeginTransactionAsync</a:t>
+              <a:t>CreateOrderCommandValidator</a:t>
             </a:r>
             <a:r>
               <a:rPr lang="en-IN" sz="1200" i="1" dirty="0"/>
-              <a:t> and </a:t>
+              <a:t>  class against </a:t>
             </a:r>
             <a:r>
               <a:rPr lang="en-IN" sz="1200" i="1" dirty="0" err="1"/>
-              <a:t>CommitTransactionAsync</a:t>
+              <a:t>IValidator</a:t>
             </a:r>
             <a:r>
               <a:rPr lang="en-IN" sz="1200" i="1" dirty="0"/>
-              <a:t>.</a:t>
+              <a:t> interface. This way, it gets picked up in </a:t>
+            </a:r>
+            <a:r>
+              <a:rPr lang="en-IN" sz="1200" i="1" dirty="0" err="1"/>
+              <a:t>ValidationBehaviour.Handle</a:t>
+            </a:r>
+            <a:r>
+              <a:rPr lang="en-IN" sz="1200" i="1" dirty="0"/>
+              <a:t>() method</a:t>
             </a:r>
           </a:p>
           <a:p>
@@ -4952,16 +5122,12 @@
               <a:buChar char="•"/>
             </a:pPr>
             <a:r>
-              <a:rPr lang="en-IN" sz="1200" b="1" i="1" dirty="0"/>
-              <a:t>Finally </a:t>
-            </a:r>
-            <a:r>
-              <a:rPr lang="en-IN" sz="1200" b="1" i="1" dirty="0" err="1"/>
-              <a:t>TransactionBehavior</a:t>
-            </a:r>
-            <a:r>
-              <a:rPr lang="en-IN" sz="1200" b="1" i="1" dirty="0"/>
-              <a:t> calls “</a:t>
+              <a:rPr lang="en-IN" sz="1200" i="1" dirty="0" err="1"/>
+              <a:t>TransactionBehaviour</a:t>
+            </a:r>
+            <a:r>
+              <a:rPr lang="en-IN" sz="1200" i="1" dirty="0"/>
+              <a:t>  performs ‘</a:t>
             </a:r>
             <a:r>
               <a:rPr lang="en-IN" sz="1200" b="1" i="1" dirty="0" err="1"/>
@@ -4969,16 +5135,85 @@
             </a:r>
             <a:r>
               <a:rPr lang="en-IN" sz="1200" b="1" i="1" dirty="0"/>
-              <a:t>” to </a:t>
-            </a:r>
-            <a:r>
-              <a:rPr lang="en-US" sz="1200" b="1" i="1" dirty="0"/>
-              <a:t>fetch all unpublished events from event store and then submits these integration events to service bus</a:t>
+              <a:t>’ as part of</a:t>
+            </a:r>
+            <a:r>
+              <a:rPr lang="en-IN" sz="1400" b="1" i="1" dirty="0"/>
+              <a:t> </a:t>
+            </a:r>
+            <a:r>
+              <a:rPr lang="en-IN" sz="1400" b="1" i="1" dirty="0">
+                <a:solidFill>
+                  <a:srgbClr val="FF0000"/>
+                </a:solidFill>
+              </a:rPr>
+              <a:t>post processing</a:t>
+            </a:r>
+            <a:r>
+              <a:rPr lang="en-IN" sz="1200" b="1" i="1" dirty="0">
+                <a:solidFill>
+                  <a:srgbClr val="FF0000"/>
+                </a:solidFill>
+              </a:rPr>
+              <a:t> actions </a:t>
+            </a:r>
+            <a:r>
+              <a:rPr lang="en-IN" sz="1200" b="1" i="1" dirty="0"/>
+              <a:t>only </a:t>
+            </a:r>
+            <a:r>
+              <a:rPr lang="en-IN" sz="1200" b="1" i="1" dirty="0">
+                <a:solidFill>
+                  <a:srgbClr val="FF0000"/>
+                </a:solidFill>
+              </a:rPr>
+              <a:t>after </a:t>
+            </a:r>
+            <a:r>
+              <a:rPr lang="en-IN" sz="1200" b="1" i="1" dirty="0" err="1">
+                <a:solidFill>
+                  <a:srgbClr val="FF0000"/>
+                </a:solidFill>
+              </a:rPr>
+              <a:t>await.next</a:t>
+            </a:r>
+            <a:r>
+              <a:rPr lang="en-IN" sz="1200" b="1" i="1" dirty="0">
+                <a:solidFill>
+                  <a:srgbClr val="FF0000"/>
+                </a:solidFill>
+              </a:rPr>
+              <a:t>() has been successfully called</a:t>
+            </a:r>
+            <a:r>
+              <a:rPr lang="en-IN" sz="1200" b="1" i="1" dirty="0"/>
+              <a:t>. This publishes events to service bus after each integration event has been committed to </a:t>
+            </a:r>
+            <a:r>
+              <a:rPr lang="en-IN" sz="1200" b="1" i="1" dirty="0" err="1"/>
+              <a:t>eventstore</a:t>
             </a:r>
             <a:r>
               <a:rPr lang="en-IN" sz="1200" b="1" i="1" dirty="0"/>
               <a:t> </a:t>
             </a:r>
+            <a:r>
+              <a:rPr lang="en-IN" sz="1200" b="1" i="1" dirty="0" err="1"/>
+              <a:t>sql</a:t>
+            </a:r>
+            <a:r>
+              <a:rPr lang="en-IN" sz="1200" b="1" i="1" dirty="0"/>
+              <a:t> database by _</a:t>
+            </a:r>
+            <a:r>
+              <a:rPr lang="en-IN" sz="1200" b="1" i="1" dirty="0" err="1"/>
+              <a:t>orderingIntegrationEventService.AddAndSaveEventAsync</a:t>
+            </a:r>
+            <a:r>
+              <a:rPr lang="en-IN" sz="1200" b="1" i="1" dirty="0"/>
+              <a:t> method.</a:t>
+            </a:r>
+            <a:endParaRPr lang="en-IN" sz="1200" i="1" dirty="0"/>
           </a:p>
         </p:txBody>
       </p:sp>
@@ -4996,7 +5231,7 @@
         </p:nvSpPr>
         <p:spPr>
           <a:xfrm>
-            <a:off x="1671684" y="1944449"/>
+            <a:off x="1645050" y="2130881"/>
             <a:ext cx="1489510" cy="261610"/>
           </a:xfrm>
           <a:prstGeom prst="rect">
@@ -5032,7 +5267,7 @@
         </p:nvSpPr>
         <p:spPr>
           <a:xfrm>
-            <a:off x="1429130" y="1994508"/>
+            <a:off x="1455764" y="2189819"/>
             <a:ext cx="206477" cy="176778"/>
           </a:xfrm>
           <a:prstGeom prst="snipRoundRect">
@@ -5078,14 +5313,14 @@
         </p:nvSpPr>
         <p:spPr>
           <a:xfrm>
-            <a:off x="3733281" y="4163038"/>
-            <a:ext cx="8089059" cy="1384995"/>
+            <a:off x="3611013" y="4251816"/>
+            <a:ext cx="8211327" cy="1384995"/>
           </a:xfrm>
           <a:prstGeom prst="rect">
             <a:avLst/>
           </a:prstGeom>
           <a:solidFill>
-            <a:schemeClr val="accent2">
+            <a:schemeClr val="accent6">
               <a:lumMod val="20000"/>
               <a:lumOff val="80000"/>
             </a:schemeClr>
@@ -5135,43 +5370,60 @@
               <a:t> object &amp; </a:t>
             </a:r>
             <a:r>
+              <a:rPr lang="en-IN" sz="1200" b="1" dirty="0"/>
+              <a:t>add all domain events to order aggregate</a:t>
+            </a:r>
+          </a:p>
+          <a:p>
+            <a:pPr algn="ctr"/>
+            <a:r>
+              <a:rPr lang="en-IN" sz="1200" dirty="0"/>
+              <a:t>2. _</a:t>
+            </a:r>
+            <a:r>
+              <a:rPr lang="en-IN" sz="1200" dirty="0" err="1"/>
+              <a:t>orderRepository.Add</a:t>
+            </a:r>
+            <a:r>
+              <a:rPr lang="en-IN" sz="1200" dirty="0"/>
+              <a:t>(order); </a:t>
+            </a:r>
+          </a:p>
+          <a:p>
+            <a:pPr algn="ctr"/>
+            <a:r>
+              <a:rPr lang="en-IN" sz="1200" dirty="0"/>
+              <a:t>3. </a:t>
+            </a:r>
+            <a:r>
+              <a:rPr lang="en-IN" sz="1200" b="1" dirty="0"/>
+              <a:t>_</a:t>
+            </a:r>
+            <a:r>
+              <a:rPr lang="en-IN" sz="1200" b="1" dirty="0" err="1"/>
+              <a:t>orderRepository.UnitOfWork.SaveEntitiesAsync</a:t>
+            </a:r>
+            <a:r>
+              <a:rPr lang="en-US" sz="1200" b="1" dirty="0"/>
+              <a:t>()</a:t>
+            </a:r>
+            <a:r>
+              <a:rPr lang="en-US" sz="1200" dirty="0"/>
+              <a:t> </a:t>
+            </a:r>
+            <a:r>
+              <a:rPr lang="en-IN" sz="1200" dirty="0"/>
+              <a:t> </a:t>
+            </a:r>
+            <a:r>
               <a:rPr lang="en-IN" sz="1200" b="1" dirty="0">
                 <a:solidFill>
                   <a:srgbClr val="FF0000"/>
                 </a:solidFill>
               </a:rPr>
-              <a:t>add all domain events to order aggregate</a:t>
-            </a:r>
-          </a:p>
-          <a:p>
-            <a:pPr algn="ctr"/>
-            <a:r>
-              <a:rPr lang="en-IN" sz="1200" dirty="0"/>
-              <a:t>2. _</a:t>
-            </a:r>
-            <a:r>
-              <a:rPr lang="en-IN" sz="1200" dirty="0" err="1"/>
-              <a:t>orderRepository.Add</a:t>
-            </a:r>
-            <a:r>
-              <a:rPr lang="en-IN" sz="1200" dirty="0"/>
-              <a:t>(order); </a:t>
-            </a:r>
-          </a:p>
-          <a:p>
-            <a:pPr algn="ctr"/>
-            <a:r>
-              <a:rPr lang="en-IN" sz="1200" dirty="0"/>
-              <a:t>3. _</a:t>
-            </a:r>
-            <a:r>
-              <a:rPr lang="en-IN" sz="1200" dirty="0" err="1"/>
-              <a:t>orderRepository.UnitOfWork.SaveEntitiesAsync</a:t>
-            </a:r>
-            <a:r>
-              <a:rPr lang="en-US" sz="1200" dirty="0"/>
-              <a:t>()</a:t>
-            </a:r>
+              <a:t>Adds new Order to database to start next set of processing (see slide 5)</a:t>
+            </a:r>
+            <a:endParaRPr lang="en-US" sz="1200" dirty="0"/>
           </a:p>
           <a:p>
             <a:pPr algn="ctr"/>
@@ -5208,7 +5460,7 @@
             </a:r>
             <a:r>
               <a:rPr lang="en-IN" sz="1200" b="1" dirty="0" err="1"/>
-              <a:t>domainEvent</a:t>
+              <a:t>orderStartedDomainEvent</a:t>
             </a:r>
             <a:r>
               <a:rPr lang="en-IN" sz="1200" b="1" dirty="0"/>
@@ -5236,8 +5488,8 @@
         </p:nvCxnSpPr>
         <p:spPr>
           <a:xfrm flipH="1">
-            <a:off x="7777811" y="3737223"/>
-            <a:ext cx="8878" cy="425815"/>
+            <a:off x="7716677" y="3966279"/>
+            <a:ext cx="67482" cy="285537"/>
           </a:xfrm>
           <a:prstGeom prst="straightConnector1">
             <a:avLst/>
@@ -5275,7 +5527,7 @@
         </p:nvSpPr>
         <p:spPr>
           <a:xfrm>
-            <a:off x="7488665" y="3940387"/>
+            <a:off x="7488665" y="3993655"/>
             <a:ext cx="206477" cy="176778"/>
           </a:xfrm>
           <a:prstGeom prst="snipRoundRect">
@@ -5321,7 +5573,7 @@
         </p:nvSpPr>
         <p:spPr>
           <a:xfrm>
-            <a:off x="7766174" y="3930045"/>
+            <a:off x="7766174" y="3965557"/>
             <a:ext cx="2567425" cy="261610"/>
           </a:xfrm>
           <a:prstGeom prst="rect">
@@ -5336,10 +5588,10 @@
           <a:lstStyle/>
           <a:p>
             <a:r>
-              <a:rPr lang="en-US" sz="1100" dirty="0" err="1"/>
+              <a:rPr lang="en-US" sz="1100" b="1" dirty="0" err="1"/>
               <a:t>CreateOrderCommand</a:t>
             </a:r>
-            <a:endParaRPr lang="en-IN" sz="1100" dirty="0"/>
+            <a:endParaRPr lang="en-IN" sz="1100" b="1" dirty="0"/>
           </a:p>
         </p:txBody>
       </p:sp>
@@ -5361,12 +5613,12 @@
         </p:nvCxnSpPr>
         <p:spPr>
           <a:xfrm rot="16200000" flipH="1">
-            <a:off x="4713829" y="-736623"/>
-            <a:ext cx="74277" cy="6094625"/>
+            <a:off x="4718269" y="-545750"/>
+            <a:ext cx="65398" cy="6094625"/>
           </a:xfrm>
           <a:prstGeom prst="bentConnector3">
             <a:avLst>
-              <a:gd name="adj1" fmla="val -2244010"/>
+              <a:gd name="adj1" fmla="val -2888046"/>
             </a:avLst>
           </a:prstGeom>
           <a:ln w="19050">
@@ -5405,8 +5657,8 @@
         </p:nvSpPr>
         <p:spPr>
           <a:xfrm>
-            <a:off x="7758616" y="3200636"/>
-            <a:ext cx="1489510" cy="261610"/>
+            <a:off x="340066" y="6524468"/>
+            <a:ext cx="785793" cy="261610"/>
           </a:xfrm>
           <a:prstGeom prst="rect">
             <a:avLst/>
@@ -5420,8 +5672,8 @@
           <a:lstStyle/>
           <a:p>
             <a:r>
-              <a:rPr lang="en-US" sz="1100" dirty="0" err="1"/>
-              <a:t>CreateOrderCommand</a:t>
+              <a:rPr lang="en-US" sz="1100" dirty="0"/>
+              <a:t>Basket API</a:t>
             </a:r>
             <a:endParaRPr lang="en-IN" sz="1100" dirty="0"/>
           </a:p>
@@ -5441,14 +5693,14 @@
         </p:nvSpPr>
         <p:spPr>
           <a:xfrm>
-            <a:off x="3742159" y="5931361"/>
-            <a:ext cx="8089059" cy="461665"/>
+            <a:off x="3619891" y="5975751"/>
+            <a:ext cx="8211327" cy="461665"/>
           </a:xfrm>
           <a:prstGeom prst="rect">
             <a:avLst/>
           </a:prstGeom>
           <a:solidFill>
-            <a:schemeClr val="accent2">
+            <a:schemeClr val="accent6">
               <a:lumMod val="20000"/>
               <a:lumOff val="80000"/>
             </a:schemeClr>
@@ -5547,8 +5799,8 @@
         </p:nvCxnSpPr>
         <p:spPr>
           <a:xfrm>
-            <a:off x="7777811" y="5548033"/>
-            <a:ext cx="8878" cy="383328"/>
+            <a:off x="7716677" y="5636811"/>
+            <a:ext cx="8878" cy="338940"/>
           </a:xfrm>
           <a:prstGeom prst="straightConnector1">
             <a:avLst/>
@@ -5586,7 +5838,7 @@
         </p:nvSpPr>
         <p:spPr>
           <a:xfrm>
-            <a:off x="7472387" y="5717401"/>
+            <a:off x="7436875" y="5717401"/>
             <a:ext cx="206477" cy="176778"/>
           </a:xfrm>
           <a:prstGeom prst="snipRoundRect">
@@ -5679,8 +5931,8 @@
         </p:nvCxnSpPr>
         <p:spPr>
           <a:xfrm>
-            <a:off x="7786689" y="6393026"/>
-            <a:ext cx="8877" cy="404449"/>
+            <a:off x="7725555" y="6437416"/>
+            <a:ext cx="0" cy="387313"/>
           </a:xfrm>
           <a:prstGeom prst="straightConnector1">
             <a:avLst/>
@@ -5718,7 +5970,7 @@
         </p:nvSpPr>
         <p:spPr>
           <a:xfrm>
-            <a:off x="7777810" y="6444498"/>
+            <a:off x="7946486" y="6444498"/>
             <a:ext cx="2567425" cy="338554"/>
           </a:xfrm>
           <a:prstGeom prst="rect">
@@ -5763,16 +6015,13 @@
         <p:spPr>
           <a:xfrm>
             <a:off x="247968" y="5931361"/>
-            <a:ext cx="2885510" cy="276999"/>
+            <a:ext cx="2885510" cy="461665"/>
           </a:xfrm>
           <a:prstGeom prst="rect">
             <a:avLst/>
           </a:prstGeom>
           <a:solidFill>
-            <a:schemeClr val="accent2">
-              <a:lumMod val="20000"/>
-              <a:lumOff val="80000"/>
-            </a:schemeClr>
+            <a:srgbClr val="00B0F0"/>
           </a:solidFill>
           <a:ln>
             <a:solidFill>
@@ -5793,13 +6042,24 @@
             </a:r>
             <a:r>
               <a:rPr lang="en-US" sz="1200" dirty="0" err="1"/>
-              <a:t>usercheckout</a:t>
+              <a:t>CheckoutAsync</a:t>
             </a:r>
             <a:r>
               <a:rPr lang="en-US" sz="1200" dirty="0"/>
               <a:t> controller</a:t>
             </a:r>
-            <a:endParaRPr lang="en-IN" sz="1200" dirty="0"/>
+          </a:p>
+          <a:p>
+            <a:pPr algn="ctr"/>
+            <a:r>
+              <a:rPr lang="en-US" sz="1200" b="1" dirty="0"/>
+              <a:t>_</a:t>
+            </a:r>
+            <a:r>
+              <a:rPr lang="en-US" sz="1200" b="1" dirty="0" err="1"/>
+              <a:t>eventBus.publish</a:t>
+            </a:r>
+            <a:endParaRPr lang="en-IN" sz="1200" b="1" dirty="0"/>
           </a:p>
         </p:txBody>
       </p:sp>
@@ -5844,6 +6104,261 @@
           </a:fontRef>
         </p:style>
       </p:cxnSp>
+      <p:sp>
+        <p:nvSpPr>
+          <p:cNvPr id="41" name="Rectangle: Top Corners One Rounded and One Snipped 40">
+            <a:extLst>
+              <a:ext uri="{FF2B5EF4-FFF2-40B4-BE49-F238E27FC236}">
+                <a16:creationId xmlns:a16="http://schemas.microsoft.com/office/drawing/2014/main" id="{1F443C75-738A-46A3-A75B-BF3D874924FC}"/>
+              </a:ext>
+            </a:extLst>
+          </p:cNvPr>
+          <p:cNvSpPr/>
+          <p:nvPr/>
+        </p:nvSpPr>
+        <p:spPr>
+          <a:xfrm>
+            <a:off x="1315199" y="5662474"/>
+            <a:ext cx="206477" cy="176778"/>
+          </a:xfrm>
+          <a:prstGeom prst="snipRoundRect">
+            <a:avLst/>
+          </a:prstGeom>
+        </p:spPr>
+        <p:style>
+          <a:lnRef idx="2">
+            <a:schemeClr val="accent4">
+              <a:shade val="50000"/>
+            </a:schemeClr>
+          </a:lnRef>
+          <a:fillRef idx="1">
+            <a:schemeClr val="accent4"/>
+          </a:fillRef>
+          <a:effectRef idx="0">
+            <a:schemeClr val="accent4"/>
+          </a:effectRef>
+          <a:fontRef idx="minor">
+            <a:schemeClr val="lt1"/>
+          </a:fontRef>
+        </p:style>
+        <p:txBody>
+          <a:bodyPr rtlCol="0" anchor="ctr"/>
+          <a:lstStyle/>
+          <a:p>
+            <a:pPr algn="ctr"/>
+            <a:endParaRPr lang="en-IN"/>
+          </a:p>
+        </p:txBody>
+      </p:sp>
+      <p:sp>
+        <p:nvSpPr>
+          <p:cNvPr id="42" name="TextBox 41">
+            <a:extLst>
+              <a:ext uri="{FF2B5EF4-FFF2-40B4-BE49-F238E27FC236}">
+                <a16:creationId xmlns:a16="http://schemas.microsoft.com/office/drawing/2014/main" id="{47A94CAA-B434-42F1-8F12-7D5FF32155D8}"/>
+              </a:ext>
+            </a:extLst>
+          </p:cNvPr>
+          <p:cNvSpPr txBox="1"/>
+          <p:nvPr/>
+        </p:nvSpPr>
+        <p:spPr>
+          <a:xfrm>
+            <a:off x="1592708" y="5636176"/>
+            <a:ext cx="2567425" cy="261610"/>
+          </a:xfrm>
+          <a:prstGeom prst="rect">
+            <a:avLst/>
+          </a:prstGeom>
+          <a:noFill/>
+        </p:spPr>
+        <p:txBody>
+          <a:bodyPr wrap="square" rtlCol="0">
+            <a:spAutoFit/>
+          </a:bodyPr>
+          <a:lstStyle/>
+          <a:p>
+            <a:r>
+              <a:rPr lang="en-US" sz="1100" dirty="0" err="1"/>
+              <a:t>UserCheckoutAcceptedIntegrationEvent</a:t>
+            </a:r>
+            <a:endParaRPr lang="en-IN" sz="1100" dirty="0"/>
+          </a:p>
+        </p:txBody>
+      </p:sp>
+      <p:sp>
+        <p:nvSpPr>
+          <p:cNvPr id="18" name="Rectangle 17">
+            <a:extLst>
+              <a:ext uri="{FF2B5EF4-FFF2-40B4-BE49-F238E27FC236}">
+                <a16:creationId xmlns:a16="http://schemas.microsoft.com/office/drawing/2014/main" id="{8292B88A-881F-40F4-AE59-C1B43D59588E}"/>
+              </a:ext>
+            </a:extLst>
+          </p:cNvPr>
+          <p:cNvSpPr/>
+          <p:nvPr/>
+        </p:nvSpPr>
+        <p:spPr>
+          <a:xfrm>
+            <a:off x="86591" y="6542843"/>
+            <a:ext cx="277393" cy="196859"/>
+          </a:xfrm>
+          <a:prstGeom prst="rect">
+            <a:avLst/>
+          </a:prstGeom>
+          <a:solidFill>
+            <a:srgbClr val="00B0F0"/>
+          </a:solidFill>
+        </p:spPr>
+        <p:style>
+          <a:lnRef idx="2">
+            <a:schemeClr val="accent1">
+              <a:shade val="50000"/>
+            </a:schemeClr>
+          </a:lnRef>
+          <a:fillRef idx="1">
+            <a:schemeClr val="accent1"/>
+          </a:fillRef>
+          <a:effectRef idx="0">
+            <a:schemeClr val="accent1"/>
+          </a:effectRef>
+          <a:fontRef idx="minor">
+            <a:schemeClr val="lt1"/>
+          </a:fontRef>
+        </p:style>
+        <p:txBody>
+          <a:bodyPr rtlCol="0" anchor="ctr"/>
+          <a:lstStyle/>
+          <a:p>
+            <a:pPr algn="ctr"/>
+            <a:endParaRPr lang="en-IN" dirty="0"/>
+          </a:p>
+        </p:txBody>
+      </p:sp>
+      <p:sp>
+        <p:nvSpPr>
+          <p:cNvPr id="46" name="Rectangle 45">
+            <a:extLst>
+              <a:ext uri="{FF2B5EF4-FFF2-40B4-BE49-F238E27FC236}">
+                <a16:creationId xmlns:a16="http://schemas.microsoft.com/office/drawing/2014/main" id="{A93D7A42-9591-4C1E-BBE5-A0B127C0F3EB}"/>
+              </a:ext>
+            </a:extLst>
+          </p:cNvPr>
+          <p:cNvSpPr/>
+          <p:nvPr/>
+        </p:nvSpPr>
+        <p:spPr>
+          <a:xfrm>
+            <a:off x="1598085" y="6524468"/>
+            <a:ext cx="277393" cy="196859"/>
+          </a:xfrm>
+          <a:prstGeom prst="rect">
+            <a:avLst/>
+          </a:prstGeom>
+          <a:solidFill>
+            <a:schemeClr val="accent6">
+              <a:lumMod val="20000"/>
+              <a:lumOff val="80000"/>
+            </a:schemeClr>
+          </a:solidFill>
+        </p:spPr>
+        <p:style>
+          <a:lnRef idx="2">
+            <a:schemeClr val="accent1">
+              <a:shade val="50000"/>
+            </a:schemeClr>
+          </a:lnRef>
+          <a:fillRef idx="1">
+            <a:schemeClr val="accent1"/>
+          </a:fillRef>
+          <a:effectRef idx="0">
+            <a:schemeClr val="accent1"/>
+          </a:effectRef>
+          <a:fontRef idx="minor">
+            <a:schemeClr val="lt1"/>
+          </a:fontRef>
+        </p:style>
+        <p:txBody>
+          <a:bodyPr rtlCol="0" anchor="ctr"/>
+          <a:lstStyle/>
+          <a:p>
+            <a:pPr algn="ctr"/>
+            <a:endParaRPr lang="en-IN" dirty="0"/>
+          </a:p>
+        </p:txBody>
+      </p:sp>
+      <p:sp>
+        <p:nvSpPr>
+          <p:cNvPr id="47" name="TextBox 46">
+            <a:extLst>
+              <a:ext uri="{FF2B5EF4-FFF2-40B4-BE49-F238E27FC236}">
+                <a16:creationId xmlns:a16="http://schemas.microsoft.com/office/drawing/2014/main" id="{7EBE8958-57BB-4D37-A5A0-A6BD1DE5995E}"/>
+              </a:ext>
+            </a:extLst>
+          </p:cNvPr>
+          <p:cNvSpPr txBox="1"/>
+          <p:nvPr/>
+        </p:nvSpPr>
+        <p:spPr>
+          <a:xfrm>
+            <a:off x="7831116" y="3202117"/>
+            <a:ext cx="1511952" cy="261610"/>
+          </a:xfrm>
+          <a:prstGeom prst="rect">
+            <a:avLst/>
+          </a:prstGeom>
+          <a:noFill/>
+        </p:spPr>
+        <p:txBody>
+          <a:bodyPr wrap="none" rtlCol="0">
+            <a:spAutoFit/>
+          </a:bodyPr>
+          <a:lstStyle/>
+          <a:p>
+            <a:r>
+              <a:rPr lang="en-US" sz="1100" b="1" dirty="0" err="1"/>
+              <a:t>CreateOrderCommand</a:t>
+            </a:r>
+            <a:endParaRPr lang="en-IN" sz="1100" b="1" dirty="0"/>
+          </a:p>
+        </p:txBody>
+      </p:sp>
+      <p:sp>
+        <p:nvSpPr>
+          <p:cNvPr id="48" name="TextBox 47">
+            <a:extLst>
+              <a:ext uri="{FF2B5EF4-FFF2-40B4-BE49-F238E27FC236}">
+                <a16:creationId xmlns:a16="http://schemas.microsoft.com/office/drawing/2014/main" id="{57E3F13C-B426-496B-9A43-6849660FBADB}"/>
+              </a:ext>
+            </a:extLst>
+          </p:cNvPr>
+          <p:cNvSpPr txBox="1"/>
+          <p:nvPr/>
+        </p:nvSpPr>
+        <p:spPr>
+          <a:xfrm>
+            <a:off x="1824116" y="6499315"/>
+            <a:ext cx="742511" cy="261610"/>
+          </a:xfrm>
+          <a:prstGeom prst="rect">
+            <a:avLst/>
+          </a:prstGeom>
+          <a:noFill/>
+        </p:spPr>
+        <p:txBody>
+          <a:bodyPr wrap="none" rtlCol="0">
+            <a:spAutoFit/>
+          </a:bodyPr>
+          <a:lstStyle/>
+          <a:p>
+            <a:r>
+              <a:rPr lang="en-US" sz="1100" dirty="0"/>
+              <a:t>Order API</a:t>
+            </a:r>
+            <a:endParaRPr lang="en-IN" sz="1100" dirty="0"/>
+          </a:p>
+        </p:txBody>
+      </p:sp>
     </p:spTree>
     <p:extLst>
       <p:ext uri="{BB962C8B-B14F-4D97-AF65-F5344CB8AC3E}">
@@ -5895,7 +6410,7 @@
             <a:avLst/>
           </a:prstGeom>
           <a:solidFill>
-            <a:schemeClr val="accent2">
+            <a:schemeClr val="accent6">
               <a:lumMod val="20000"/>
               <a:lumOff val="80000"/>
             </a:schemeClr>
@@ -5990,14 +6505,14 @@
         </p:nvSpPr>
         <p:spPr>
           <a:xfrm>
-            <a:off x="1380699" y="1196415"/>
-            <a:ext cx="8089059" cy="281260"/>
+            <a:off x="1371821" y="1196415"/>
+            <a:ext cx="8089059" cy="830997"/>
           </a:xfrm>
           <a:prstGeom prst="rect">
             <a:avLst/>
           </a:prstGeom>
           <a:solidFill>
-            <a:schemeClr val="accent2">
+            <a:schemeClr val="accent6">
               <a:lumMod val="20000"/>
               <a:lumOff val="80000"/>
             </a:schemeClr>
@@ -6016,94 +6531,68 @@
           <a:p>
             <a:pPr algn="ctr"/>
             <a:r>
-              <a:rPr lang="en-IN" sz="1200" dirty="0"/>
-              <a:t>_</a:t>
+              <a:rPr lang="en-US" sz="1200" dirty="0"/>
+              <a:t> </a:t>
             </a:r>
             <a:r>
               <a:rPr lang="en-IN" sz="1200" dirty="0" err="1"/>
-              <a:t>orderingIntegrationEventService.AddAndSaveEventAsync</a:t>
-            </a:r>
-            <a:r>
-              <a:rPr lang="en-IN" sz="1200" dirty="0"/>
-              <a:t>(</a:t>
-            </a:r>
-            <a:r>
-              <a:rPr lang="en-IN" sz="1200" dirty="0" err="1"/>
-              <a:t>orderStartedIntegrationEvent</a:t>
-            </a:r>
-            <a:r>
-              <a:rPr lang="en-IN" sz="1200" dirty="0"/>
-              <a:t>)</a:t>
-            </a:r>
-          </a:p>
-        </p:txBody>
-      </p:sp>
-      <p:sp>
-        <p:nvSpPr>
-          <p:cNvPr id="7" name="TextBox 6">
-            <a:extLst>
-              <a:ext uri="{FF2B5EF4-FFF2-40B4-BE49-F238E27FC236}">
-                <a16:creationId xmlns:a16="http://schemas.microsoft.com/office/drawing/2014/main" id="{4FB2DAD9-89A4-4EF6-9972-4239494B7A54}"/>
-              </a:ext>
-            </a:extLst>
-          </p:cNvPr>
-          <p:cNvSpPr txBox="1"/>
-          <p:nvPr/>
-        </p:nvSpPr>
-        <p:spPr>
-          <a:xfrm>
-            <a:off x="982204" y="1443479"/>
-            <a:ext cx="8741123" cy="446276"/>
-          </a:xfrm>
-          <a:prstGeom prst="rect">
-            <a:avLst/>
-          </a:prstGeom>
-          <a:noFill/>
-        </p:spPr>
-        <p:txBody>
-          <a:bodyPr wrap="square" rtlCol="0">
-            <a:spAutoFit/>
-          </a:bodyPr>
-          <a:lstStyle/>
-          <a:p>
-            <a:pPr algn="ctr"/>
-            <a:r>
-              <a:rPr lang="en-US" sz="1100" dirty="0"/>
-              <a:t> </a:t>
-            </a:r>
-            <a:r>
-              <a:rPr lang="en-IN" sz="1100" dirty="0" err="1"/>
               <a:t>validateOrAddBuyerAggregateWhenOrderStartedDomainEventHandler</a:t>
             </a:r>
             <a:r>
-              <a:rPr lang="en-US" sz="1100" dirty="0"/>
-              <a:t> calls above method that creates and saves ‘</a:t>
+              <a:rPr lang="en-US" sz="1200" dirty="0"/>
+              <a:t> calls below method that creates and saves ‘</a:t>
             </a:r>
             <a:r>
               <a:rPr lang="en-IN" sz="1200" dirty="0" err="1"/>
               <a:t>orderStatusChangedTosubmittedIntegrationEvent</a:t>
             </a:r>
             <a:r>
-              <a:rPr lang="en-US" sz="1100" dirty="0"/>
+              <a:rPr lang="en-US" sz="1200" dirty="0"/>
               <a:t>’event to </a:t>
             </a:r>
             <a:r>
-              <a:rPr lang="en-US" sz="1100" dirty="0" err="1"/>
+              <a:rPr lang="en-US" sz="1200" dirty="0" err="1"/>
               <a:t>eventstore</a:t>
             </a:r>
             <a:r>
-              <a:rPr lang="en-US" sz="1100" dirty="0"/>
+              <a:rPr lang="en-US" sz="1200" dirty="0"/>
               <a:t> using </a:t>
             </a:r>
             <a:r>
-              <a:rPr lang="en-US" sz="1100" dirty="0" err="1"/>
+              <a:rPr lang="en-US" sz="1200" dirty="0" err="1"/>
               <a:t>dbcontext.SaveChangesAsync</a:t>
             </a:r>
             <a:r>
-              <a:rPr lang="en-US" sz="1100" dirty="0"/>
+              <a:rPr lang="en-US" sz="1200" dirty="0"/>
               <a:t>()</a:t>
             </a:r>
-            <a:endParaRPr lang="en-IN" sz="1100" dirty="0"/>
+          </a:p>
+          <a:p>
+            <a:pPr algn="ctr"/>
+            <a:endParaRPr lang="en-US" sz="1200" dirty="0"/>
+          </a:p>
+          <a:p>
+            <a:pPr algn="ctr"/>
+            <a:r>
+              <a:rPr lang="en-IN" sz="1200" b="1" dirty="0"/>
+              <a:t>_</a:t>
+            </a:r>
+            <a:r>
+              <a:rPr lang="en-IN" sz="1200" b="1" dirty="0" err="1"/>
+              <a:t>orderingIntegrationEventService.AddAndSaveEventAsync</a:t>
+            </a:r>
+            <a:r>
+              <a:rPr lang="en-IN" sz="1200" b="1" dirty="0"/>
+              <a:t>(</a:t>
+            </a:r>
+            <a:r>
+              <a:rPr lang="en-IN" sz="1200" b="1" dirty="0" err="1"/>
+              <a:t>orderStartedIntegrationEvent</a:t>
+            </a:r>
+            <a:r>
+              <a:rPr lang="en-IN" sz="1200" b="1" dirty="0"/>
+              <a:t>)</a:t>
+            </a:r>
           </a:p>
         </p:txBody>
       </p:sp>
@@ -6121,7 +6610,7 @@
         </p:nvSpPr>
         <p:spPr>
           <a:xfrm>
-            <a:off x="5164044" y="959602"/>
+            <a:off x="5137410" y="941846"/>
             <a:ext cx="206477" cy="176778"/>
           </a:xfrm>
           <a:prstGeom prst="snipRoundRect">
@@ -6208,7 +6697,7 @@
         <p:spPr>
           <a:xfrm>
             <a:off x="5416351" y="658051"/>
-            <a:ext cx="8878" cy="538364"/>
+            <a:ext cx="0" cy="538364"/>
           </a:xfrm>
           <a:prstGeom prst="straightConnector1">
             <a:avLst/>
@@ -6246,8 +6735,8 @@
         </p:nvSpPr>
         <p:spPr>
           <a:xfrm>
-            <a:off x="363980" y="2121778"/>
-            <a:ext cx="10005135" cy="830997"/>
+            <a:off x="408370" y="2254935"/>
+            <a:ext cx="10129424" cy="2339102"/>
           </a:xfrm>
           <a:prstGeom prst="rect">
             <a:avLst/>
@@ -6267,37 +6756,65 @@
           </a:bodyPr>
           <a:lstStyle/>
           <a:p>
+            <a:pPr lvl="5"/>
+            <a:r>
+              <a:rPr lang="en-IN" sz="1200" b="1" u="sng" dirty="0" err="1"/>
+              <a:t>IPipelineBehavior</a:t>
+            </a:r>
+            <a:r>
+              <a:rPr lang="en-IN" sz="1200" b="1" u="sng" dirty="0"/>
+              <a:t> Pre Processing Logic:</a:t>
+            </a:r>
+            <a:r>
+              <a:rPr lang="en-IN" sz="1200" b="1" dirty="0"/>
+              <a:t>            </a:t>
+            </a:r>
+            <a:r>
+              <a:rPr lang="en-IN" sz="1200" b="1" dirty="0" err="1"/>
+              <a:t>TransactionBehaviour</a:t>
+            </a:r>
+            <a:r>
+              <a:rPr lang="en-IN" sz="1200" dirty="0"/>
+              <a:t> : </a:t>
+            </a:r>
+            <a:r>
+              <a:rPr lang="en-IN" sz="1200" b="1" dirty="0" err="1">
+                <a:solidFill>
+                  <a:srgbClr val="FF0000"/>
+                </a:solidFill>
+              </a:rPr>
+              <a:t>mediator</a:t>
+            </a:r>
+            <a:r>
+              <a:rPr lang="en-IN" sz="1200" b="1" dirty="0" err="1"/>
+              <a:t>.IPipelineBehavior</a:t>
+            </a:r>
+            <a:endParaRPr lang="en-IN" sz="1200" b="1" u="sng" dirty="0"/>
+          </a:p>
+          <a:p>
+            <a:pPr lvl="5"/>
+            <a:endParaRPr lang="en-IN" sz="1200" b="1" i="1" dirty="0"/>
+          </a:p>
+          <a:p>
             <a:pPr marL="171450" indent="-171450">
               <a:buFont typeface="Arial" panose="020B0604020202020204" pitchFamily="34" charset="0"/>
               <a:buChar char="•"/>
             </a:pPr>
             <a:r>
-              <a:rPr lang="en-IN" sz="1200" b="1" i="1" dirty="0"/>
-              <a:t>Finally </a:t>
-            </a:r>
-            <a:r>
-              <a:rPr lang="en-IN" sz="1200" b="1" i="1" dirty="0" err="1"/>
-              <a:t>TransactionBehavior</a:t>
-            </a:r>
-            <a:r>
-              <a:rPr lang="en-IN" sz="1200" b="1" i="1" dirty="0"/>
-              <a:t> calls “</a:t>
-            </a:r>
-            <a:r>
-              <a:rPr lang="en-IN" sz="1200" b="1" i="1" dirty="0" err="1"/>
-              <a:t>PublishEventsThroughEventBusAsync</a:t>
-            </a:r>
-            <a:r>
-              <a:rPr lang="en-IN" sz="1200" b="1" i="1" dirty="0"/>
-              <a:t>” to </a:t>
-            </a:r>
-            <a:r>
-              <a:rPr lang="en-US" sz="1200" b="1" i="1" dirty="0"/>
-              <a:t>fetch all unpublished events from event store and then submits these integration events to service bus</a:t>
-            </a:r>
-            <a:r>
-              <a:rPr lang="en-IN" sz="1200" b="1" i="1" dirty="0"/>
-              <a:t> </a:t>
+              <a:rPr lang="en-US" sz="1200" i="1" dirty="0" err="1"/>
+              <a:t>PipelineBehavior.Handle</a:t>
+            </a:r>
+            <a:r>
+              <a:rPr lang="en-US" sz="1200" i="1" dirty="0"/>
+              <a:t>() method executes every time </a:t>
+            </a:r>
+            <a:r>
+              <a:rPr lang="en-US" sz="1200" i="1" dirty="0" err="1"/>
+              <a:t>mediator.send</a:t>
+            </a:r>
+            <a:r>
+              <a:rPr lang="en-US" sz="1200" i="1" dirty="0"/>
+              <a:t>() or publish() is called. </a:t>
             </a:r>
           </a:p>
           <a:p>
@@ -6306,61 +6823,257 @@
               <a:buChar char="•"/>
             </a:pPr>
             <a:r>
-              <a:rPr lang="en-IN" sz="1200" b="1" i="1" dirty="0"/>
-              <a:t>This happens after </a:t>
-            </a:r>
-            <a:r>
-              <a:rPr lang="en-IN" sz="1200" b="1" i="1" dirty="0" err="1"/>
-              <a:t>mediator.send</a:t>
-            </a:r>
-            <a:r>
-              <a:rPr lang="en-IN" sz="1200" b="1" i="1" dirty="0"/>
-              <a:t>() and </a:t>
-            </a:r>
-            <a:r>
-              <a:rPr lang="en-IN" sz="1200" b="1" i="1" dirty="0" err="1"/>
-              <a:t>mediator.publish</a:t>
-            </a:r>
-            <a:r>
-              <a:rPr lang="en-IN" sz="1200" b="1" i="1" dirty="0"/>
-              <a:t>() methods complete their execution and as illustrated above as only then post processing code inside transaction behaviour gets fired that calls “</a:t>
-            </a:r>
-            <a:r>
-              <a:rPr lang="en-IN" sz="1200" b="1" i="1" dirty="0" err="1"/>
+              <a:rPr lang="en-US" sz="1200" i="1" dirty="0"/>
+              <a:t>It uses await next(); to invoke target handle() method and code that is written after </a:t>
+            </a:r>
+            <a:r>
+              <a:rPr lang="en-US" sz="1200" i="1" dirty="0" err="1"/>
+              <a:t>await.next</a:t>
+            </a:r>
+            <a:r>
+              <a:rPr lang="en-US" sz="1200" i="1" dirty="0"/>
+              <a:t>() is used as </a:t>
+            </a:r>
+            <a:r>
+              <a:rPr lang="en-US" sz="1200" b="1" i="1" dirty="0">
+                <a:solidFill>
+                  <a:srgbClr val="FF0000"/>
+                </a:solidFill>
+              </a:rPr>
+              <a:t>‘post processing logic’</a:t>
+            </a:r>
+            <a:r>
+              <a:rPr lang="en-US" sz="1200" i="1" dirty="0"/>
+              <a:t> perform post processing activities as explained below.</a:t>
+            </a:r>
+            <a:endParaRPr lang="en-IN" sz="1200" i="1" dirty="0"/>
+          </a:p>
+          <a:p>
+            <a:pPr marL="171450" indent="-171450">
+              <a:buFont typeface="Arial" panose="020B0604020202020204" pitchFamily="34" charset="0"/>
+              <a:buChar char="•"/>
+            </a:pPr>
+            <a:r>
+              <a:rPr lang="en-US" sz="1200" i="1" dirty="0"/>
+              <a:t>After </a:t>
+            </a:r>
+            <a:r>
+              <a:rPr lang="en-US" sz="1200" i="1" dirty="0" err="1"/>
+              <a:t>await.next</a:t>
+            </a:r>
+            <a:r>
+              <a:rPr lang="en-US" sz="1200" i="1" dirty="0"/>
+              <a:t>() successfully finishes execution, </a:t>
+            </a:r>
+            <a:r>
+              <a:rPr lang="en-IN" sz="1400" b="1" i="1" dirty="0" err="1"/>
+              <a:t>TransactionBehavior</a:t>
+            </a:r>
+            <a:r>
+              <a:rPr lang="en-IN" sz="1200" i="1" dirty="0"/>
+              <a:t> calls “</a:t>
+            </a:r>
+            <a:r>
+              <a:rPr lang="en-IN" sz="1200" i="1" dirty="0" err="1"/>
               <a:t>PublishEventsThroughEventBusAsync</a:t>
             </a:r>
             <a:r>
-              <a:rPr lang="en-IN" sz="1200" b="1" i="1" dirty="0"/>
+              <a:rPr lang="en-IN" sz="1200" i="1" dirty="0"/>
+              <a:t>” to </a:t>
+            </a:r>
+            <a:r>
+              <a:rPr lang="en-US" sz="1200" i="1" dirty="0"/>
+              <a:t>fetch all ‘unpublished’ events from event store </a:t>
+            </a:r>
+            <a:r>
+              <a:rPr lang="en-US" sz="1200" i="1" dirty="0" err="1"/>
+              <a:t>sql</a:t>
+            </a:r>
+            <a:r>
+              <a:rPr lang="en-US" sz="1200" i="1" dirty="0"/>
+              <a:t> database and then submits each of these integration events to service bus</a:t>
+            </a:r>
+            <a:r>
+              <a:rPr lang="en-IN" sz="1200" i="1" dirty="0"/>
+              <a:t>. After each event has been successfully published to service bus, it updates the status as ‘published’ for that event in </a:t>
+            </a:r>
+            <a:r>
+              <a:rPr lang="en-IN" sz="1200" i="1" dirty="0" err="1"/>
+              <a:t>eventstore</a:t>
+            </a:r>
+            <a:r>
+              <a:rPr lang="en-IN" sz="1200" i="1" dirty="0"/>
+              <a:t> in </a:t>
+            </a:r>
+            <a:r>
+              <a:rPr lang="en-IN" sz="1200" i="1" dirty="0" err="1"/>
+              <a:t>sql</a:t>
+            </a:r>
+            <a:r>
+              <a:rPr lang="en-IN" sz="1200" i="1" dirty="0"/>
+              <a:t> DB.</a:t>
+            </a:r>
+          </a:p>
+          <a:p>
+            <a:pPr marL="171450" indent="-171450">
+              <a:buFont typeface="Arial" panose="020B0604020202020204" pitchFamily="34" charset="0"/>
+              <a:buChar char="•"/>
+            </a:pPr>
+            <a:r>
+              <a:rPr lang="en-IN" sz="1200" i="1" dirty="0" err="1"/>
+              <a:t>TransactionBehaviour</a:t>
+            </a:r>
+            <a:r>
+              <a:rPr lang="en-IN" sz="1200" i="1" dirty="0"/>
+              <a:t>  wraps all pre/post processing code a) first into a </a:t>
+            </a:r>
+            <a:r>
+              <a:rPr lang="en-IN" sz="1200" i="1" dirty="0" err="1"/>
+              <a:t>BeginTransactionAsync</a:t>
+            </a:r>
+            <a:r>
+              <a:rPr lang="en-IN" sz="1200" i="1" dirty="0"/>
+              <a:t>, b) then calls </a:t>
+            </a:r>
+            <a:r>
+              <a:rPr lang="en-IN" sz="1200" i="1" dirty="0" err="1"/>
+              <a:t>await.next</a:t>
+            </a:r>
+            <a:r>
+              <a:rPr lang="en-IN" sz="1200" i="1" dirty="0"/>
+              <a:t>() and c) finally calls </a:t>
+            </a:r>
+            <a:r>
+              <a:rPr lang="en-IN" sz="1200" i="1" dirty="0" err="1"/>
+              <a:t>CommitTransactionAsync</a:t>
+            </a:r>
+            <a:r>
+              <a:rPr lang="en-IN" sz="1200" i="1" dirty="0"/>
+              <a:t>, followed by “</a:t>
+            </a:r>
+            <a:r>
+              <a:rPr lang="en-IN" sz="1200" i="1" dirty="0" err="1"/>
+              <a:t>PublishEventsThroughEventBusAsync</a:t>
+            </a:r>
+            <a:r>
+              <a:rPr lang="en-IN" sz="1200" i="1" dirty="0"/>
               <a:t>”</a:t>
             </a:r>
+          </a:p>
+          <a:p>
+            <a:endParaRPr lang="en-IN" sz="1200" b="1" i="1" dirty="0"/>
+          </a:p>
+          <a:p>
+            <a:r>
+              <a:rPr lang="en-IN" sz="1200" b="1" dirty="0">
+                <a:solidFill>
+                  <a:srgbClr val="FF0000"/>
+                </a:solidFill>
+              </a:rPr>
+              <a:t>			</a:t>
+            </a:r>
+            <a:r>
+              <a:rPr lang="en-IN" sz="1200" b="1" dirty="0" err="1">
+                <a:solidFill>
+                  <a:srgbClr val="FF0000"/>
+                </a:solidFill>
+              </a:rPr>
+              <a:t>PublishEventsThroughEventBusAsync</a:t>
+            </a:r>
+            <a:r>
+              <a:rPr lang="en-IN" sz="1200" b="1" dirty="0">
+                <a:solidFill>
+                  <a:srgbClr val="FF0000"/>
+                </a:solidFill>
+              </a:rPr>
+              <a:t> publishes two events to service bus</a:t>
+            </a:r>
+          </a:p>
+        </p:txBody>
+      </p:sp>
+      <p:sp>
+        <p:nvSpPr>
+          <p:cNvPr id="22" name="TextBox 21">
+            <a:extLst>
+              <a:ext uri="{FF2B5EF4-FFF2-40B4-BE49-F238E27FC236}">
+                <a16:creationId xmlns:a16="http://schemas.microsoft.com/office/drawing/2014/main" id="{982D35FB-540A-4860-8035-7879E3C66C82}"/>
+              </a:ext>
+            </a:extLst>
+          </p:cNvPr>
+          <p:cNvSpPr txBox="1"/>
+          <p:nvPr/>
+        </p:nvSpPr>
+        <p:spPr>
+          <a:xfrm>
+            <a:off x="2067465" y="5959137"/>
+            <a:ext cx="2034018" cy="646331"/>
+          </a:xfrm>
+          <a:prstGeom prst="rect">
+            <a:avLst/>
+          </a:prstGeom>
+          <a:solidFill>
+            <a:srgbClr val="00B0F0"/>
+          </a:solidFill>
+          <a:ln>
+            <a:solidFill>
+              <a:schemeClr val="tx1"/>
+            </a:solidFill>
+          </a:ln>
+        </p:spPr>
+        <p:txBody>
+          <a:bodyPr wrap="square" rtlCol="0">
+            <a:spAutoFit/>
+          </a:bodyPr>
+          <a:lstStyle/>
+          <a:p>
+            <a:pPr algn="ctr"/>
+            <a:r>
+              <a:rPr lang="en-IN" sz="1200" dirty="0"/>
+              <a:t>Basket API </a:t>
+            </a:r>
+          </a:p>
+          <a:p>
+            <a:pPr algn="ctr"/>
+            <a:endParaRPr lang="en-IN" sz="1200" dirty="0"/>
+          </a:p>
+          <a:p>
+            <a:pPr algn="ctr"/>
+            <a:r>
+              <a:rPr lang="en-IN" sz="1200" dirty="0" err="1"/>
+              <a:t>DeleteBasketAsync</a:t>
+            </a:r>
+            <a:endParaRPr lang="en-IN" sz="1200" dirty="0"/>
           </a:p>
         </p:txBody>
       </p:sp>
       <p:cxnSp>
         <p:nvCxnSpPr>
-          <p:cNvPr id="15" name="Straight Arrow Connector 14">
-            <a:extLst>
-              <a:ext uri="{FF2B5EF4-FFF2-40B4-BE49-F238E27FC236}">
-                <a16:creationId xmlns:a16="http://schemas.microsoft.com/office/drawing/2014/main" id="{402BD86C-FE68-47A8-BBFC-A044C4AB7E7D}"/>
+          <p:cNvPr id="23" name="Straight Arrow Connector 22">
+            <a:extLst>
+              <a:ext uri="{FF2B5EF4-FFF2-40B4-BE49-F238E27FC236}">
+                <a16:creationId xmlns:a16="http://schemas.microsoft.com/office/drawing/2014/main" id="{04A0A44E-CE8E-4B61-8361-0829A49F445A}"/>
               </a:ext>
             </a:extLst>
           </p:cNvPr>
           <p:cNvCxnSpPr>
             <a:cxnSpLocks/>
-            <a:stCxn id="7" idx="0"/>
-            <a:endCxn id="14" idx="0"/>
+            <a:stCxn id="6" idx="2"/>
+            <a:endCxn id="13" idx="0"/>
           </p:cNvCxnSpPr>
           <p:nvPr/>
         </p:nvCxnSpPr>
         <p:spPr>
           <a:xfrm>
-            <a:off x="5352766" y="1443479"/>
-            <a:ext cx="13782" cy="678299"/>
+            <a:off x="5416351" y="2027412"/>
+            <a:ext cx="8732" cy="3023104"/>
           </a:xfrm>
           <a:prstGeom prst="straightConnector1">
             <a:avLst/>
           </a:prstGeom>
-          <a:ln>
+          <a:ln w="15875">
+            <a:solidFill>
+              <a:srgbClr val="C00000"/>
+            </a:solidFill>
             <a:tailEnd type="triangle"/>
           </a:ln>
         </p:spPr>
@@ -6381,10 +7094,155 @@
       </p:cxnSp>
       <p:sp>
         <p:nvSpPr>
-          <p:cNvPr id="22" name="TextBox 21">
-            <a:extLst>
-              <a:ext uri="{FF2B5EF4-FFF2-40B4-BE49-F238E27FC236}">
-                <a16:creationId xmlns:a16="http://schemas.microsoft.com/office/drawing/2014/main" id="{982D35FB-540A-4860-8035-7879E3C66C82}"/>
+          <p:cNvPr id="13" name="Flowchart: Direct Access Storage 12">
+            <a:extLst>
+              <a:ext uri="{FF2B5EF4-FFF2-40B4-BE49-F238E27FC236}">
+                <a16:creationId xmlns:a16="http://schemas.microsoft.com/office/drawing/2014/main" id="{C8D0E30E-DD13-41C8-91EC-BC30F464D741}"/>
+              </a:ext>
+            </a:extLst>
+          </p:cNvPr>
+          <p:cNvSpPr/>
+          <p:nvPr/>
+        </p:nvSpPr>
+        <p:spPr>
+          <a:xfrm>
+            <a:off x="4728027" y="5050516"/>
+            <a:ext cx="1394112" cy="420329"/>
+          </a:xfrm>
+          <a:prstGeom prst="flowChartMagneticDrum">
+            <a:avLst/>
+          </a:prstGeom>
+          <a:solidFill>
+            <a:srgbClr val="7030A0"/>
+          </a:solidFill>
+        </p:spPr>
+        <p:style>
+          <a:lnRef idx="2">
+            <a:schemeClr val="accent1">
+              <a:shade val="50000"/>
+            </a:schemeClr>
+          </a:lnRef>
+          <a:fillRef idx="1">
+            <a:schemeClr val="accent1"/>
+          </a:fillRef>
+          <a:effectRef idx="0">
+            <a:schemeClr val="accent1"/>
+          </a:effectRef>
+          <a:fontRef idx="minor">
+            <a:schemeClr val="lt1"/>
+          </a:fontRef>
+        </p:style>
+        <p:txBody>
+          <a:bodyPr rtlCol="0" anchor="ctr"/>
+          <a:lstStyle/>
+          <a:p>
+            <a:pPr algn="ctr"/>
+            <a:r>
+              <a:rPr lang="en-US" sz="1200" b="1" dirty="0"/>
+              <a:t>Service Bus</a:t>
+            </a:r>
+            <a:endParaRPr lang="en-IN" sz="1200" b="1" dirty="0"/>
+          </a:p>
+        </p:txBody>
+      </p:sp>
+      <p:sp>
+        <p:nvSpPr>
+          <p:cNvPr id="17" name="Rectangle: Top Corners One Rounded and One Snipped 16">
+            <a:extLst>
+              <a:ext uri="{FF2B5EF4-FFF2-40B4-BE49-F238E27FC236}">
+                <a16:creationId xmlns:a16="http://schemas.microsoft.com/office/drawing/2014/main" id="{2275F44F-FBA2-49E6-A57C-30B015920FDD}"/>
+              </a:ext>
+            </a:extLst>
+          </p:cNvPr>
+          <p:cNvSpPr/>
+          <p:nvPr/>
+        </p:nvSpPr>
+        <p:spPr>
+          <a:xfrm>
+            <a:off x="5112257" y="4666315"/>
+            <a:ext cx="206477" cy="176778"/>
+          </a:xfrm>
+          <a:prstGeom prst="snipRoundRect">
+            <a:avLst/>
+          </a:prstGeom>
+        </p:spPr>
+        <p:style>
+          <a:lnRef idx="2">
+            <a:schemeClr val="accent4">
+              <a:shade val="50000"/>
+            </a:schemeClr>
+          </a:lnRef>
+          <a:fillRef idx="1">
+            <a:schemeClr val="accent4"/>
+          </a:fillRef>
+          <a:effectRef idx="0">
+            <a:schemeClr val="accent4"/>
+          </a:effectRef>
+          <a:fontRef idx="minor">
+            <a:schemeClr val="lt1"/>
+          </a:fontRef>
+        </p:style>
+        <p:txBody>
+          <a:bodyPr rtlCol="0" anchor="ctr"/>
+          <a:lstStyle/>
+          <a:p>
+            <a:pPr algn="ctr"/>
+            <a:endParaRPr lang="en-IN" dirty="0"/>
+          </a:p>
+        </p:txBody>
+      </p:sp>
+      <p:sp>
+        <p:nvSpPr>
+          <p:cNvPr id="18" name="Rectangle: Top Corners One Rounded and One Snipped 17">
+            <a:extLst>
+              <a:ext uri="{FF2B5EF4-FFF2-40B4-BE49-F238E27FC236}">
+                <a16:creationId xmlns:a16="http://schemas.microsoft.com/office/drawing/2014/main" id="{3B37E891-60B4-40B9-AB65-50E8015BCA67}"/>
+              </a:ext>
+            </a:extLst>
+          </p:cNvPr>
+          <p:cNvSpPr/>
+          <p:nvPr/>
+        </p:nvSpPr>
+        <p:spPr>
+          <a:xfrm>
+            <a:off x="5486598" y="4676673"/>
+            <a:ext cx="206477" cy="176778"/>
+          </a:xfrm>
+          <a:prstGeom prst="snipRoundRect">
+            <a:avLst/>
+          </a:prstGeom>
+        </p:spPr>
+        <p:style>
+          <a:lnRef idx="2">
+            <a:schemeClr val="accent4">
+              <a:shade val="50000"/>
+            </a:schemeClr>
+          </a:lnRef>
+          <a:fillRef idx="1">
+            <a:schemeClr val="accent4"/>
+          </a:fillRef>
+          <a:effectRef idx="0">
+            <a:schemeClr val="accent4"/>
+          </a:effectRef>
+          <a:fontRef idx="minor">
+            <a:schemeClr val="lt1"/>
+          </a:fontRef>
+        </p:style>
+        <p:txBody>
+          <a:bodyPr rtlCol="0" anchor="ctr"/>
+          <a:lstStyle/>
+          <a:p>
+            <a:pPr algn="ctr"/>
+            <a:endParaRPr lang="en-IN" dirty="0"/>
+          </a:p>
+        </p:txBody>
+      </p:sp>
+      <p:sp>
+        <p:nvSpPr>
+          <p:cNvPr id="19" name="TextBox 18">
+            <a:extLst>
+              <a:ext uri="{FF2B5EF4-FFF2-40B4-BE49-F238E27FC236}">
+                <a16:creationId xmlns:a16="http://schemas.microsoft.com/office/drawing/2014/main" id="{6E027625-2A50-40FC-840D-E1F3A55AE447}"/>
               </a:ext>
             </a:extLst>
           </p:cNvPr>
@@ -6393,14 +7251,86 @@
         </p:nvSpPr>
         <p:spPr>
           <a:xfrm>
-            <a:off x="1070983" y="3429000"/>
-            <a:ext cx="8586688" cy="646331"/>
+            <a:off x="5425268" y="4812730"/>
+            <a:ext cx="3267433" cy="276999"/>
           </a:xfrm>
           <a:prstGeom prst="rect">
             <a:avLst/>
           </a:prstGeom>
+          <a:noFill/>
+        </p:spPr>
+        <p:txBody>
+          <a:bodyPr wrap="none" rtlCol="0">
+            <a:spAutoFit/>
+          </a:bodyPr>
+          <a:lstStyle/>
+          <a:p>
+            <a:r>
+              <a:rPr lang="en-IN" sz="1200" dirty="0" err="1"/>
+              <a:t>orderStatusChangedTosubmittedIntegrationEvent</a:t>
+            </a:r>
+            <a:endParaRPr lang="en-IN" sz="900" dirty="0"/>
+          </a:p>
+        </p:txBody>
+      </p:sp>
+      <p:sp>
+        <p:nvSpPr>
+          <p:cNvPr id="20" name="TextBox 19">
+            <a:extLst>
+              <a:ext uri="{FF2B5EF4-FFF2-40B4-BE49-F238E27FC236}">
+                <a16:creationId xmlns:a16="http://schemas.microsoft.com/office/drawing/2014/main" id="{FFD161D2-D1A3-4B05-9E12-4263D96077EC}"/>
+              </a:ext>
+            </a:extLst>
+          </p:cNvPr>
+          <p:cNvSpPr txBox="1"/>
+          <p:nvPr/>
+        </p:nvSpPr>
+        <p:spPr>
+          <a:xfrm>
+            <a:off x="3420386" y="4805337"/>
+            <a:ext cx="2034018" cy="276999"/>
+          </a:xfrm>
+          <a:prstGeom prst="rect">
+            <a:avLst/>
+          </a:prstGeom>
+          <a:noFill/>
+        </p:spPr>
+        <p:txBody>
+          <a:bodyPr wrap="none" rtlCol="0">
+            <a:spAutoFit/>
+          </a:bodyPr>
+          <a:lstStyle/>
+          <a:p>
+            <a:r>
+              <a:rPr lang="en-IN" sz="1200" dirty="0" err="1"/>
+              <a:t>OrderStartedIntegrationEvent</a:t>
+            </a:r>
+            <a:endParaRPr lang="en-IN" sz="900" dirty="0"/>
+          </a:p>
+        </p:txBody>
+      </p:sp>
+      <p:sp>
+        <p:nvSpPr>
+          <p:cNvPr id="24" name="TextBox 23">
+            <a:extLst>
+              <a:ext uri="{FF2B5EF4-FFF2-40B4-BE49-F238E27FC236}">
+                <a16:creationId xmlns:a16="http://schemas.microsoft.com/office/drawing/2014/main" id="{F8637B01-DB43-4C59-9629-BEAEA6F16E03}"/>
+              </a:ext>
+            </a:extLst>
+          </p:cNvPr>
+          <p:cNvSpPr txBox="1"/>
+          <p:nvPr/>
+        </p:nvSpPr>
+        <p:spPr>
+          <a:xfrm>
+            <a:off x="6674973" y="5923625"/>
+            <a:ext cx="2034018" cy="646331"/>
+          </a:xfrm>
+          <a:prstGeom prst="rect">
+            <a:avLst/>
+          </a:prstGeom>
           <a:solidFill>
-            <a:schemeClr val="accent2">
+            <a:schemeClr val="accent6">
               <a:lumMod val="20000"/>
               <a:lumOff val="80000"/>
             </a:schemeClr>
@@ -6419,74 +7349,47 @@
           <a:p>
             <a:pPr algn="ctr"/>
             <a:r>
-              <a:rPr lang="en-IN" sz="1200" dirty="0"/>
-              <a:t>This publishes two events to service bus</a:t>
-            </a:r>
-          </a:p>
-          <a:p>
-            <a:pPr marL="228600" indent="-228600" algn="ctr">
-              <a:buAutoNum type="arabicParenR"/>
-            </a:pPr>
-            <a:r>
-              <a:rPr lang="en-IN" sz="1200" dirty="0" err="1"/>
-              <a:t>OrderStartedIntegrationEvent</a:t>
-            </a:r>
-            <a:r>
-              <a:rPr lang="en-IN" sz="1200" dirty="0"/>
-              <a:t> =&gt; Basket API has subscription to it and that handler performs </a:t>
-            </a:r>
-            <a:r>
-              <a:rPr lang="en-IN" sz="1200" dirty="0" err="1"/>
-              <a:t>DeleteBasketAsync</a:t>
-            </a:r>
-            <a:r>
-              <a:rPr lang="en-IN" sz="1200" dirty="0"/>
-              <a:t> operation</a:t>
-            </a:r>
-          </a:p>
-          <a:p>
-            <a:pPr marL="228600" indent="-228600" algn="ctr">
-              <a:buAutoNum type="arabicParenR"/>
-            </a:pPr>
-            <a:r>
-              <a:rPr lang="en-IN" sz="1200" dirty="0" err="1"/>
-              <a:t>OrderStatusChangedToSubmittedIntegrationEvent</a:t>
-            </a:r>
-            <a:r>
-              <a:rPr lang="en-IN" sz="1200" dirty="0"/>
-              <a:t> =&gt; </a:t>
-            </a:r>
-            <a:r>
               <a:rPr lang="en-IN" sz="1200" dirty="0" err="1"/>
               <a:t>Ordering.SignalRHub</a:t>
             </a:r>
             <a:r>
               <a:rPr lang="en-IN" sz="1200" dirty="0"/>
-              <a:t> has subscription to it and notifies user in frontend</a:t>
+              <a:t> </a:t>
+            </a:r>
+          </a:p>
+          <a:p>
+            <a:pPr algn="ctr"/>
+            <a:endParaRPr lang="en-IN" sz="1200" dirty="0"/>
+          </a:p>
+          <a:p>
+            <a:pPr algn="ctr"/>
+            <a:r>
+              <a:rPr lang="en-IN" sz="1200" dirty="0"/>
+              <a:t>Notifies user in frontend</a:t>
             </a:r>
           </a:p>
         </p:txBody>
       </p:sp>
       <p:cxnSp>
         <p:nvCxnSpPr>
-          <p:cNvPr id="23" name="Straight Arrow Connector 22">
-            <a:extLst>
-              <a:ext uri="{FF2B5EF4-FFF2-40B4-BE49-F238E27FC236}">
-                <a16:creationId xmlns:a16="http://schemas.microsoft.com/office/drawing/2014/main" id="{04A0A44E-CE8E-4B61-8361-0829A49F445A}"/>
+          <p:cNvPr id="25" name="Straight Arrow Connector 24">
+            <a:extLst>
+              <a:ext uri="{FF2B5EF4-FFF2-40B4-BE49-F238E27FC236}">
+                <a16:creationId xmlns:a16="http://schemas.microsoft.com/office/drawing/2014/main" id="{94226DAD-48DF-4257-A74B-D12A8866E7F4}"/>
               </a:ext>
             </a:extLst>
           </p:cNvPr>
           <p:cNvCxnSpPr>
             <a:cxnSpLocks/>
-            <a:stCxn id="14" idx="2"/>
+            <a:stCxn id="13" idx="1"/>
             <a:endCxn id="22" idx="0"/>
           </p:cNvCxnSpPr>
           <p:nvPr/>
         </p:nvCxnSpPr>
         <p:spPr>
           <a:xfrm flipH="1">
-            <a:off x="5364327" y="2952775"/>
-            <a:ext cx="2221" cy="476225"/>
+            <a:off x="3084474" y="5260681"/>
+            <a:ext cx="1643553" cy="698456"/>
           </a:xfrm>
           <a:prstGeom prst="straightConnector1">
             <a:avLst/>
@@ -6510,10 +7413,2589 @@
           </a:fontRef>
         </p:style>
       </p:cxnSp>
+      <p:cxnSp>
+        <p:nvCxnSpPr>
+          <p:cNvPr id="26" name="Straight Arrow Connector 25">
+            <a:extLst>
+              <a:ext uri="{FF2B5EF4-FFF2-40B4-BE49-F238E27FC236}">
+                <a16:creationId xmlns:a16="http://schemas.microsoft.com/office/drawing/2014/main" id="{8D724E9D-330E-4BB0-B3D1-8C10B8CBB7EF}"/>
+              </a:ext>
+            </a:extLst>
+          </p:cNvPr>
+          <p:cNvCxnSpPr>
+            <a:cxnSpLocks/>
+            <a:stCxn id="13" idx="4"/>
+            <a:endCxn id="24" idx="0"/>
+          </p:cNvCxnSpPr>
+          <p:nvPr/>
+        </p:nvCxnSpPr>
+        <p:spPr>
+          <a:xfrm>
+            <a:off x="6122139" y="5260681"/>
+            <a:ext cx="1569843" cy="662944"/>
+          </a:xfrm>
+          <a:prstGeom prst="straightConnector1">
+            <a:avLst/>
+          </a:prstGeom>
+          <a:ln>
+            <a:tailEnd type="triangle"/>
+          </a:ln>
+        </p:spPr>
+        <p:style>
+          <a:lnRef idx="1">
+            <a:schemeClr val="accent1"/>
+          </a:lnRef>
+          <a:fillRef idx="0">
+            <a:schemeClr val="accent1"/>
+          </a:fillRef>
+          <a:effectRef idx="0">
+            <a:schemeClr val="accent1"/>
+          </a:effectRef>
+          <a:fontRef idx="minor">
+            <a:schemeClr val="tx1"/>
+          </a:fontRef>
+        </p:style>
+      </p:cxnSp>
+      <p:sp>
+        <p:nvSpPr>
+          <p:cNvPr id="29" name="TextBox 28">
+            <a:extLst>
+              <a:ext uri="{FF2B5EF4-FFF2-40B4-BE49-F238E27FC236}">
+                <a16:creationId xmlns:a16="http://schemas.microsoft.com/office/drawing/2014/main" id="{E1C891E6-FBD3-491E-AB4F-CCE7BA87FB86}"/>
+              </a:ext>
+            </a:extLst>
+          </p:cNvPr>
+          <p:cNvSpPr txBox="1"/>
+          <p:nvPr/>
+        </p:nvSpPr>
+        <p:spPr>
+          <a:xfrm>
+            <a:off x="1964597" y="5277448"/>
+            <a:ext cx="2034018" cy="276999"/>
+          </a:xfrm>
+          <a:prstGeom prst="rect">
+            <a:avLst/>
+          </a:prstGeom>
+          <a:noFill/>
+        </p:spPr>
+        <p:txBody>
+          <a:bodyPr wrap="none" rtlCol="0">
+            <a:spAutoFit/>
+          </a:bodyPr>
+          <a:lstStyle/>
+          <a:p>
+            <a:r>
+              <a:rPr lang="en-IN" sz="1200" dirty="0" err="1"/>
+              <a:t>OrderStartedIntegrationEvent</a:t>
+            </a:r>
+            <a:endParaRPr lang="en-IN" sz="900" dirty="0"/>
+          </a:p>
+        </p:txBody>
+      </p:sp>
+      <p:sp>
+        <p:nvSpPr>
+          <p:cNvPr id="30" name="Rectangle: Top Corners One Rounded and One Snipped 29">
+            <a:extLst>
+              <a:ext uri="{FF2B5EF4-FFF2-40B4-BE49-F238E27FC236}">
+                <a16:creationId xmlns:a16="http://schemas.microsoft.com/office/drawing/2014/main" id="{CC2D7A11-5CB8-4275-91A2-4978512D3AF6}"/>
+              </a:ext>
+            </a:extLst>
+          </p:cNvPr>
+          <p:cNvSpPr/>
+          <p:nvPr/>
+        </p:nvSpPr>
+        <p:spPr>
+          <a:xfrm>
+            <a:off x="3924128" y="5342493"/>
+            <a:ext cx="206477" cy="176778"/>
+          </a:xfrm>
+          <a:prstGeom prst="snipRoundRect">
+            <a:avLst/>
+          </a:prstGeom>
+        </p:spPr>
+        <p:style>
+          <a:lnRef idx="2">
+            <a:schemeClr val="accent4">
+              <a:shade val="50000"/>
+            </a:schemeClr>
+          </a:lnRef>
+          <a:fillRef idx="1">
+            <a:schemeClr val="accent4"/>
+          </a:fillRef>
+          <a:effectRef idx="0">
+            <a:schemeClr val="accent4"/>
+          </a:effectRef>
+          <a:fontRef idx="minor">
+            <a:schemeClr val="lt1"/>
+          </a:fontRef>
+        </p:style>
+        <p:txBody>
+          <a:bodyPr rtlCol="0" anchor="ctr"/>
+          <a:lstStyle/>
+          <a:p>
+            <a:pPr algn="ctr"/>
+            <a:endParaRPr lang="en-IN" dirty="0"/>
+          </a:p>
+        </p:txBody>
+      </p:sp>
+      <p:sp>
+        <p:nvSpPr>
+          <p:cNvPr id="31" name="Rectangle: Top Corners One Rounded and One Snipped 30">
+            <a:extLst>
+              <a:ext uri="{FF2B5EF4-FFF2-40B4-BE49-F238E27FC236}">
+                <a16:creationId xmlns:a16="http://schemas.microsoft.com/office/drawing/2014/main" id="{275E54EA-C1DC-4A17-AE03-90CDCF00303F}"/>
+              </a:ext>
+            </a:extLst>
+          </p:cNvPr>
+          <p:cNvSpPr/>
+          <p:nvPr/>
+        </p:nvSpPr>
+        <p:spPr>
+          <a:xfrm>
+            <a:off x="6730955" y="5308462"/>
+            <a:ext cx="206477" cy="176778"/>
+          </a:xfrm>
+          <a:prstGeom prst="snipRoundRect">
+            <a:avLst/>
+          </a:prstGeom>
+        </p:spPr>
+        <p:style>
+          <a:lnRef idx="2">
+            <a:schemeClr val="accent4">
+              <a:shade val="50000"/>
+            </a:schemeClr>
+          </a:lnRef>
+          <a:fillRef idx="1">
+            <a:schemeClr val="accent4"/>
+          </a:fillRef>
+          <a:effectRef idx="0">
+            <a:schemeClr val="accent4"/>
+          </a:effectRef>
+          <a:fontRef idx="minor">
+            <a:schemeClr val="lt1"/>
+          </a:fontRef>
+        </p:style>
+        <p:txBody>
+          <a:bodyPr rtlCol="0" anchor="ctr"/>
+          <a:lstStyle/>
+          <a:p>
+            <a:pPr algn="ctr"/>
+            <a:endParaRPr lang="en-IN" dirty="0"/>
+          </a:p>
+        </p:txBody>
+      </p:sp>
+      <p:sp>
+        <p:nvSpPr>
+          <p:cNvPr id="32" name="TextBox 31">
+            <a:extLst>
+              <a:ext uri="{FF2B5EF4-FFF2-40B4-BE49-F238E27FC236}">
+                <a16:creationId xmlns:a16="http://schemas.microsoft.com/office/drawing/2014/main" id="{4B44F455-A025-4A26-87D5-7DF1790149CE}"/>
+              </a:ext>
+            </a:extLst>
+          </p:cNvPr>
+          <p:cNvSpPr txBox="1"/>
+          <p:nvPr/>
+        </p:nvSpPr>
+        <p:spPr>
+          <a:xfrm>
+            <a:off x="6891561" y="5266972"/>
+            <a:ext cx="3267433" cy="276999"/>
+          </a:xfrm>
+          <a:prstGeom prst="rect">
+            <a:avLst/>
+          </a:prstGeom>
+          <a:noFill/>
+        </p:spPr>
+        <p:txBody>
+          <a:bodyPr wrap="none" rtlCol="0">
+            <a:spAutoFit/>
+          </a:bodyPr>
+          <a:lstStyle/>
+          <a:p>
+            <a:r>
+              <a:rPr lang="en-IN" sz="1200" dirty="0" err="1"/>
+              <a:t>orderStatusChangedTosubmittedIntegrationEvent</a:t>
+            </a:r>
+            <a:endParaRPr lang="en-IN" sz="900" dirty="0"/>
+          </a:p>
+        </p:txBody>
+      </p:sp>
+      <p:sp>
+        <p:nvSpPr>
+          <p:cNvPr id="33" name="Rectangle 32">
+            <a:extLst>
+              <a:ext uri="{FF2B5EF4-FFF2-40B4-BE49-F238E27FC236}">
+                <a16:creationId xmlns:a16="http://schemas.microsoft.com/office/drawing/2014/main" id="{CA20E399-408A-4382-984A-1AB408E27310}"/>
+              </a:ext>
+            </a:extLst>
+          </p:cNvPr>
+          <p:cNvSpPr/>
+          <p:nvPr/>
+        </p:nvSpPr>
+        <p:spPr>
+          <a:xfrm>
+            <a:off x="8999797" y="6542843"/>
+            <a:ext cx="277393" cy="196859"/>
+          </a:xfrm>
+          <a:prstGeom prst="rect">
+            <a:avLst/>
+          </a:prstGeom>
+          <a:solidFill>
+            <a:srgbClr val="00B0F0"/>
+          </a:solidFill>
+        </p:spPr>
+        <p:style>
+          <a:lnRef idx="2">
+            <a:schemeClr val="accent1">
+              <a:shade val="50000"/>
+            </a:schemeClr>
+          </a:lnRef>
+          <a:fillRef idx="1">
+            <a:schemeClr val="accent1"/>
+          </a:fillRef>
+          <a:effectRef idx="0">
+            <a:schemeClr val="accent1"/>
+          </a:effectRef>
+          <a:fontRef idx="minor">
+            <a:schemeClr val="lt1"/>
+          </a:fontRef>
+        </p:style>
+        <p:txBody>
+          <a:bodyPr rtlCol="0" anchor="ctr"/>
+          <a:lstStyle/>
+          <a:p>
+            <a:pPr algn="ctr"/>
+            <a:endParaRPr lang="en-IN" dirty="0"/>
+          </a:p>
+        </p:txBody>
+      </p:sp>
+      <p:sp>
+        <p:nvSpPr>
+          <p:cNvPr id="34" name="Rectangle 33">
+            <a:extLst>
+              <a:ext uri="{FF2B5EF4-FFF2-40B4-BE49-F238E27FC236}">
+                <a16:creationId xmlns:a16="http://schemas.microsoft.com/office/drawing/2014/main" id="{BF6054F1-8FF4-4FEE-9EA8-48A40B29AC33}"/>
+              </a:ext>
+            </a:extLst>
+          </p:cNvPr>
+          <p:cNvSpPr/>
+          <p:nvPr/>
+        </p:nvSpPr>
+        <p:spPr>
+          <a:xfrm>
+            <a:off x="10511291" y="6524468"/>
+            <a:ext cx="277393" cy="196859"/>
+          </a:xfrm>
+          <a:prstGeom prst="rect">
+            <a:avLst/>
+          </a:prstGeom>
+          <a:solidFill>
+            <a:schemeClr val="accent6">
+              <a:lumMod val="20000"/>
+              <a:lumOff val="80000"/>
+            </a:schemeClr>
+          </a:solidFill>
+        </p:spPr>
+        <p:style>
+          <a:lnRef idx="2">
+            <a:schemeClr val="accent1">
+              <a:shade val="50000"/>
+            </a:schemeClr>
+          </a:lnRef>
+          <a:fillRef idx="1">
+            <a:schemeClr val="accent1"/>
+          </a:fillRef>
+          <a:effectRef idx="0">
+            <a:schemeClr val="accent1"/>
+          </a:effectRef>
+          <a:fontRef idx="minor">
+            <a:schemeClr val="lt1"/>
+          </a:fontRef>
+        </p:style>
+        <p:txBody>
+          <a:bodyPr rtlCol="0" anchor="ctr"/>
+          <a:lstStyle/>
+          <a:p>
+            <a:pPr algn="ctr"/>
+            <a:endParaRPr lang="en-IN" dirty="0"/>
+          </a:p>
+        </p:txBody>
+      </p:sp>
+      <p:sp>
+        <p:nvSpPr>
+          <p:cNvPr id="35" name="TextBox 34">
+            <a:extLst>
+              <a:ext uri="{FF2B5EF4-FFF2-40B4-BE49-F238E27FC236}">
+                <a16:creationId xmlns:a16="http://schemas.microsoft.com/office/drawing/2014/main" id="{8CB8E506-1CE2-4299-93A3-24CFD5781918}"/>
+              </a:ext>
+            </a:extLst>
+          </p:cNvPr>
+          <p:cNvSpPr txBox="1"/>
+          <p:nvPr/>
+        </p:nvSpPr>
+        <p:spPr>
+          <a:xfrm>
+            <a:off x="10737322" y="6499315"/>
+            <a:ext cx="742511" cy="261610"/>
+          </a:xfrm>
+          <a:prstGeom prst="rect">
+            <a:avLst/>
+          </a:prstGeom>
+          <a:noFill/>
+        </p:spPr>
+        <p:txBody>
+          <a:bodyPr wrap="none" rtlCol="0">
+            <a:spAutoFit/>
+          </a:bodyPr>
+          <a:lstStyle/>
+          <a:p>
+            <a:r>
+              <a:rPr lang="en-US" sz="1100" dirty="0"/>
+              <a:t>Order API</a:t>
+            </a:r>
+            <a:endParaRPr lang="en-IN" sz="1100" dirty="0"/>
+          </a:p>
+        </p:txBody>
+      </p:sp>
+      <p:sp>
+        <p:nvSpPr>
+          <p:cNvPr id="36" name="TextBox 35">
+            <a:extLst>
+              <a:ext uri="{FF2B5EF4-FFF2-40B4-BE49-F238E27FC236}">
+                <a16:creationId xmlns:a16="http://schemas.microsoft.com/office/drawing/2014/main" id="{7E8F0486-DB0D-4174-88B1-77C8895E659B}"/>
+              </a:ext>
+            </a:extLst>
+          </p:cNvPr>
+          <p:cNvSpPr txBox="1"/>
+          <p:nvPr/>
+        </p:nvSpPr>
+        <p:spPr>
+          <a:xfrm>
+            <a:off x="9238474" y="6509667"/>
+            <a:ext cx="785793" cy="261610"/>
+          </a:xfrm>
+          <a:prstGeom prst="rect">
+            <a:avLst/>
+          </a:prstGeom>
+          <a:noFill/>
+        </p:spPr>
+        <p:txBody>
+          <a:bodyPr wrap="none" rtlCol="0">
+            <a:spAutoFit/>
+          </a:bodyPr>
+          <a:lstStyle/>
+          <a:p>
+            <a:r>
+              <a:rPr lang="en-US" sz="1100" dirty="0"/>
+              <a:t>Basket API</a:t>
+            </a:r>
+            <a:endParaRPr lang="en-IN" sz="1100" dirty="0"/>
+          </a:p>
+        </p:txBody>
+      </p:sp>
     </p:spTree>
     <p:extLst>
       <p:ext uri="{BB962C8B-B14F-4D97-AF65-F5344CB8AC3E}">
         <p14:creationId xmlns:p14="http://schemas.microsoft.com/office/powerpoint/2010/main" val="1422232215"/>
+      </p:ext>
+    </p:extLst>
+  </p:cSld>
+  <p:clrMapOvr>
+    <a:masterClrMapping/>
+  </p:clrMapOvr>
+</p:sld>
+</file>
+
+<file path=ppt/slides/slide4.xml><?xml version="1.0" encoding="utf-8"?>
+<p:sld xmlns:a="http://schemas.openxmlformats.org/drawingml/2006/main" xmlns:r="http://schemas.openxmlformats.org/officeDocument/2006/relationships" xmlns:p="http://schemas.openxmlformats.org/presentationml/2006/main">
+  <p:cSld>
+    <p:spTree>
+      <p:nvGrpSpPr>
+        <p:cNvPr id="1" name=""/>
+        <p:cNvGrpSpPr/>
+        <p:nvPr/>
+      </p:nvGrpSpPr>
+      <p:grpSpPr>
+        <a:xfrm>
+          <a:off x="0" y="0"/>
+          <a:ext cx="0" cy="0"/>
+          <a:chOff x="0" y="0"/>
+          <a:chExt cx="0" cy="0"/>
+        </a:xfrm>
+      </p:grpSpPr>
+      <p:sp>
+        <p:nvSpPr>
+          <p:cNvPr id="2" name="Title 1">
+            <a:extLst>
+              <a:ext uri="{FF2B5EF4-FFF2-40B4-BE49-F238E27FC236}">
+                <a16:creationId xmlns:a16="http://schemas.microsoft.com/office/drawing/2014/main" id="{68BD6591-397E-45F0-9CF5-5D6DE80079FF}"/>
+              </a:ext>
+            </a:extLst>
+          </p:cNvPr>
+          <p:cNvSpPr>
+            <a:spLocks noGrp="1"/>
+          </p:cNvSpPr>
+          <p:nvPr>
+            <p:ph type="title"/>
+          </p:nvPr>
+        </p:nvSpPr>
+        <p:spPr>
+          <a:xfrm>
+            <a:off x="838200" y="2611176"/>
+            <a:ext cx="10515600" cy="1325563"/>
+          </a:xfrm>
+        </p:spPr>
+        <p:txBody>
+          <a:bodyPr/>
+          <a:lstStyle/>
+          <a:p>
+            <a:pPr algn="ctr"/>
+            <a:r>
+              <a:rPr lang="en-US" dirty="0" err="1"/>
+              <a:t>OrderValidation</a:t>
+            </a:r>
+            <a:r>
+              <a:rPr lang="en-US" dirty="0"/>
+              <a:t> Flow</a:t>
+            </a:r>
+            <a:endParaRPr lang="en-IN" dirty="0"/>
+          </a:p>
+        </p:txBody>
+      </p:sp>
+    </p:spTree>
+    <p:extLst>
+      <p:ext uri="{BB962C8B-B14F-4D97-AF65-F5344CB8AC3E}">
+        <p14:creationId xmlns:p14="http://schemas.microsoft.com/office/powerpoint/2010/main" val="3114458507"/>
+      </p:ext>
+    </p:extLst>
+  </p:cSld>
+  <p:clrMapOvr>
+    <a:masterClrMapping/>
+  </p:clrMapOvr>
+</p:sld>
+</file>
+
+<file path=ppt/slides/slide5.xml><?xml version="1.0" encoding="utf-8"?>
+<p:sld xmlns:a="http://schemas.openxmlformats.org/drawingml/2006/main" xmlns:r="http://schemas.openxmlformats.org/officeDocument/2006/relationships" xmlns:p="http://schemas.openxmlformats.org/presentationml/2006/main">
+  <p:cSld>
+    <p:spTree>
+      <p:nvGrpSpPr>
+        <p:cNvPr id="1" name=""/>
+        <p:cNvGrpSpPr/>
+        <p:nvPr/>
+      </p:nvGrpSpPr>
+      <p:grpSpPr>
+        <a:xfrm>
+          <a:off x="0" y="0"/>
+          <a:ext cx="0" cy="0"/>
+          <a:chOff x="0" y="0"/>
+          <a:chExt cx="0" cy="0"/>
+        </a:xfrm>
+      </p:grpSpPr>
+      <p:sp>
+        <p:nvSpPr>
+          <p:cNvPr id="5" name="TextBox 4">
+            <a:extLst>
+              <a:ext uri="{FF2B5EF4-FFF2-40B4-BE49-F238E27FC236}">
+                <a16:creationId xmlns:a16="http://schemas.microsoft.com/office/drawing/2014/main" id="{F49ED59B-05D1-45CC-BBC9-3FB76E9E0CB0}"/>
+              </a:ext>
+            </a:extLst>
+          </p:cNvPr>
+          <p:cNvSpPr txBox="1"/>
+          <p:nvPr/>
+        </p:nvSpPr>
+        <p:spPr>
+          <a:xfrm>
+            <a:off x="147704" y="5062502"/>
+            <a:ext cx="2231510" cy="646331"/>
+          </a:xfrm>
+          <a:prstGeom prst="rect">
+            <a:avLst/>
+          </a:prstGeom>
+          <a:solidFill>
+            <a:schemeClr val="accent6">
+              <a:lumMod val="20000"/>
+              <a:lumOff val="80000"/>
+            </a:schemeClr>
+          </a:solidFill>
+          <a:ln>
+            <a:solidFill>
+              <a:schemeClr val="tx1"/>
+            </a:solidFill>
+          </a:ln>
+        </p:spPr>
+        <p:txBody>
+          <a:bodyPr wrap="square" rtlCol="0">
+            <a:spAutoFit/>
+          </a:bodyPr>
+          <a:lstStyle/>
+          <a:p>
+            <a:pPr algn="ctr"/>
+            <a:r>
+              <a:rPr lang="en-IN" sz="1200" b="1" dirty="0" err="1">
+                <a:solidFill>
+                  <a:srgbClr val="FF0000"/>
+                </a:solidFill>
+              </a:rPr>
+              <a:t>Ordering.BackgroundTask</a:t>
+            </a:r>
+            <a:endParaRPr lang="en-IN" sz="1200" b="1" dirty="0">
+              <a:solidFill>
+                <a:srgbClr val="FF0000"/>
+              </a:solidFill>
+            </a:endParaRPr>
+          </a:p>
+          <a:p>
+            <a:pPr algn="ctr"/>
+            <a:r>
+              <a:rPr lang="en-IN" sz="1200" dirty="0"/>
+              <a:t>Runs every N minutes and pulls order id from “Orders” table</a:t>
+            </a:r>
+          </a:p>
+        </p:txBody>
+      </p:sp>
+      <p:sp>
+        <p:nvSpPr>
+          <p:cNvPr id="6" name="Flowchart: Magnetic Disk 5">
+            <a:extLst>
+              <a:ext uri="{FF2B5EF4-FFF2-40B4-BE49-F238E27FC236}">
+                <a16:creationId xmlns:a16="http://schemas.microsoft.com/office/drawing/2014/main" id="{164B4D85-D011-4248-8F2F-705FA76A7CDA}"/>
+              </a:ext>
+            </a:extLst>
+          </p:cNvPr>
+          <p:cNvSpPr/>
+          <p:nvPr/>
+        </p:nvSpPr>
+        <p:spPr>
+          <a:xfrm>
+            <a:off x="621438" y="6249880"/>
+            <a:ext cx="1287262" cy="523782"/>
+          </a:xfrm>
+          <a:prstGeom prst="flowChartMagneticDisk">
+            <a:avLst/>
+          </a:prstGeom>
+        </p:spPr>
+        <p:style>
+          <a:lnRef idx="2">
+            <a:schemeClr val="accent1">
+              <a:shade val="50000"/>
+            </a:schemeClr>
+          </a:lnRef>
+          <a:fillRef idx="1">
+            <a:schemeClr val="accent1"/>
+          </a:fillRef>
+          <a:effectRef idx="0">
+            <a:schemeClr val="accent1"/>
+          </a:effectRef>
+          <a:fontRef idx="minor">
+            <a:schemeClr val="lt1"/>
+          </a:fontRef>
+        </p:style>
+        <p:txBody>
+          <a:bodyPr rtlCol="0" anchor="ctr"/>
+          <a:lstStyle/>
+          <a:p>
+            <a:pPr algn="ctr"/>
+            <a:r>
+              <a:rPr lang="en-US" dirty="0"/>
+              <a:t>Order DB</a:t>
+            </a:r>
+            <a:endParaRPr lang="en-IN" dirty="0"/>
+          </a:p>
+        </p:txBody>
+      </p:sp>
+      <p:sp>
+        <p:nvSpPr>
+          <p:cNvPr id="7" name="Flowchart: Direct Access Storage 6">
+            <a:extLst>
+              <a:ext uri="{FF2B5EF4-FFF2-40B4-BE49-F238E27FC236}">
+                <a16:creationId xmlns:a16="http://schemas.microsoft.com/office/drawing/2014/main" id="{54DCCD97-6D2C-465C-B02A-050AD29E5EC8}"/>
+              </a:ext>
+            </a:extLst>
+          </p:cNvPr>
+          <p:cNvSpPr/>
+          <p:nvPr/>
+        </p:nvSpPr>
+        <p:spPr>
+          <a:xfrm>
+            <a:off x="575135" y="4045770"/>
+            <a:ext cx="1394112" cy="420329"/>
+          </a:xfrm>
+          <a:prstGeom prst="flowChartMagneticDrum">
+            <a:avLst/>
+          </a:prstGeom>
+          <a:solidFill>
+            <a:srgbClr val="7030A0"/>
+          </a:solidFill>
+          <a:ln>
+            <a:solidFill>
+              <a:schemeClr val="bg1"/>
+            </a:solidFill>
+          </a:ln>
+        </p:spPr>
+        <p:style>
+          <a:lnRef idx="2">
+            <a:schemeClr val="accent1">
+              <a:shade val="50000"/>
+            </a:schemeClr>
+          </a:lnRef>
+          <a:fillRef idx="1">
+            <a:schemeClr val="accent1"/>
+          </a:fillRef>
+          <a:effectRef idx="0">
+            <a:schemeClr val="accent1"/>
+          </a:effectRef>
+          <a:fontRef idx="minor">
+            <a:schemeClr val="lt1"/>
+          </a:fontRef>
+        </p:style>
+        <p:txBody>
+          <a:bodyPr rtlCol="0" anchor="ctr"/>
+          <a:lstStyle/>
+          <a:p>
+            <a:pPr algn="ctr"/>
+            <a:r>
+              <a:rPr lang="en-US" sz="1200" b="1" dirty="0"/>
+              <a:t>Service Bus</a:t>
+            </a:r>
+            <a:endParaRPr lang="en-IN" sz="1200" b="1" dirty="0"/>
+          </a:p>
+        </p:txBody>
+      </p:sp>
+      <p:sp>
+        <p:nvSpPr>
+          <p:cNvPr id="8" name="TextBox 7">
+            <a:extLst>
+              <a:ext uri="{FF2B5EF4-FFF2-40B4-BE49-F238E27FC236}">
+                <a16:creationId xmlns:a16="http://schemas.microsoft.com/office/drawing/2014/main" id="{BD5FD1B8-94CF-4388-93A8-4E1D871E6186}"/>
+              </a:ext>
+            </a:extLst>
+          </p:cNvPr>
+          <p:cNvSpPr txBox="1"/>
+          <p:nvPr/>
+        </p:nvSpPr>
+        <p:spPr>
+          <a:xfrm>
+            <a:off x="107603" y="2902435"/>
+            <a:ext cx="2342634" cy="646331"/>
+          </a:xfrm>
+          <a:prstGeom prst="rect">
+            <a:avLst/>
+          </a:prstGeom>
+          <a:solidFill>
+            <a:schemeClr val="accent6">
+              <a:lumMod val="20000"/>
+              <a:lumOff val="80000"/>
+            </a:schemeClr>
+          </a:solidFill>
+          <a:ln>
+            <a:solidFill>
+              <a:schemeClr val="tx1"/>
+            </a:solidFill>
+          </a:ln>
+        </p:spPr>
+        <p:txBody>
+          <a:bodyPr wrap="square" rtlCol="0">
+            <a:spAutoFit/>
+          </a:bodyPr>
+          <a:lstStyle/>
+          <a:p>
+            <a:pPr algn="ctr"/>
+            <a:r>
+              <a:rPr lang="en-US" sz="1200" b="1" dirty="0"/>
+              <a:t>Order API</a:t>
+            </a:r>
+            <a:r>
+              <a:rPr lang="en-US" sz="1200" dirty="0"/>
+              <a:t> </a:t>
+            </a:r>
+            <a:r>
+              <a:rPr lang="en-IN" sz="1200" dirty="0" err="1"/>
+              <a:t>GracePeriodConfirmedIntegrationEventHandler</a:t>
+            </a:r>
+            <a:r>
+              <a:rPr lang="en-US" sz="1200" dirty="0"/>
+              <a:t>.Handle()</a:t>
+            </a:r>
+            <a:endParaRPr lang="en-IN" sz="1200" dirty="0"/>
+          </a:p>
+        </p:txBody>
+      </p:sp>
+      <p:sp>
+        <p:nvSpPr>
+          <p:cNvPr id="9" name="Rectangle: Top Corners One Rounded and One Snipped 8">
+            <a:extLst>
+              <a:ext uri="{FF2B5EF4-FFF2-40B4-BE49-F238E27FC236}">
+                <a16:creationId xmlns:a16="http://schemas.microsoft.com/office/drawing/2014/main" id="{B18B8F40-531B-46C5-84C2-DFBF28C12488}"/>
+              </a:ext>
+            </a:extLst>
+          </p:cNvPr>
+          <p:cNvSpPr/>
+          <p:nvPr/>
+        </p:nvSpPr>
+        <p:spPr>
+          <a:xfrm>
+            <a:off x="951216" y="4614909"/>
+            <a:ext cx="206477" cy="176778"/>
+          </a:xfrm>
+          <a:prstGeom prst="snipRoundRect">
+            <a:avLst/>
+          </a:prstGeom>
+        </p:spPr>
+        <p:style>
+          <a:lnRef idx="2">
+            <a:schemeClr val="accent4">
+              <a:shade val="50000"/>
+            </a:schemeClr>
+          </a:lnRef>
+          <a:fillRef idx="1">
+            <a:schemeClr val="accent4"/>
+          </a:fillRef>
+          <a:effectRef idx="0">
+            <a:schemeClr val="accent4"/>
+          </a:effectRef>
+          <a:fontRef idx="minor">
+            <a:schemeClr val="lt1"/>
+          </a:fontRef>
+        </p:style>
+        <p:txBody>
+          <a:bodyPr rtlCol="0" anchor="ctr"/>
+          <a:lstStyle/>
+          <a:p>
+            <a:pPr algn="ctr"/>
+            <a:endParaRPr lang="en-IN"/>
+          </a:p>
+        </p:txBody>
+      </p:sp>
+      <p:sp>
+        <p:nvSpPr>
+          <p:cNvPr id="10" name="TextBox 9">
+            <a:extLst>
+              <a:ext uri="{FF2B5EF4-FFF2-40B4-BE49-F238E27FC236}">
+                <a16:creationId xmlns:a16="http://schemas.microsoft.com/office/drawing/2014/main" id="{D2881D2E-B42C-443E-BA16-81A4917C0D3C}"/>
+              </a:ext>
+            </a:extLst>
+          </p:cNvPr>
+          <p:cNvSpPr txBox="1"/>
+          <p:nvPr/>
+        </p:nvSpPr>
+        <p:spPr>
+          <a:xfrm>
+            <a:off x="1228725" y="4588611"/>
+            <a:ext cx="1780951" cy="430887"/>
+          </a:xfrm>
+          <a:prstGeom prst="rect">
+            <a:avLst/>
+          </a:prstGeom>
+          <a:noFill/>
+        </p:spPr>
+        <p:txBody>
+          <a:bodyPr wrap="square" rtlCol="0">
+            <a:spAutoFit/>
+          </a:bodyPr>
+          <a:lstStyle/>
+          <a:p>
+            <a:r>
+              <a:rPr lang="en-US" sz="1100" dirty="0" err="1"/>
+              <a:t>GracePeriodConfirmed</a:t>
+            </a:r>
+            <a:endParaRPr lang="en-US" sz="1100" dirty="0"/>
+          </a:p>
+          <a:p>
+            <a:r>
+              <a:rPr lang="en-US" sz="1100" dirty="0" err="1"/>
+              <a:t>IntegrationEvent</a:t>
+            </a:r>
+            <a:endParaRPr lang="en-IN" sz="1100" dirty="0"/>
+          </a:p>
+        </p:txBody>
+      </p:sp>
+      <p:cxnSp>
+        <p:nvCxnSpPr>
+          <p:cNvPr id="11" name="Straight Arrow Connector 10">
+            <a:extLst>
+              <a:ext uri="{FF2B5EF4-FFF2-40B4-BE49-F238E27FC236}">
+                <a16:creationId xmlns:a16="http://schemas.microsoft.com/office/drawing/2014/main" id="{B5649C2B-59BA-49FF-A470-DE9FE68087F3}"/>
+              </a:ext>
+            </a:extLst>
+          </p:cNvPr>
+          <p:cNvCxnSpPr>
+            <a:cxnSpLocks/>
+            <a:stCxn id="6" idx="1"/>
+            <a:endCxn id="5" idx="2"/>
+          </p:cNvCxnSpPr>
+          <p:nvPr/>
+        </p:nvCxnSpPr>
+        <p:spPr>
+          <a:xfrm flipH="1" flipV="1">
+            <a:off x="1263459" y="5708833"/>
+            <a:ext cx="1610" cy="541047"/>
+          </a:xfrm>
+          <a:prstGeom prst="straightConnector1">
+            <a:avLst/>
+          </a:prstGeom>
+          <a:ln>
+            <a:tailEnd type="triangle"/>
+          </a:ln>
+        </p:spPr>
+        <p:style>
+          <a:lnRef idx="1">
+            <a:schemeClr val="accent1"/>
+          </a:lnRef>
+          <a:fillRef idx="0">
+            <a:schemeClr val="accent1"/>
+          </a:fillRef>
+          <a:effectRef idx="0">
+            <a:schemeClr val="accent1"/>
+          </a:effectRef>
+          <a:fontRef idx="minor">
+            <a:schemeClr val="tx1"/>
+          </a:fontRef>
+        </p:style>
+      </p:cxnSp>
+      <p:cxnSp>
+        <p:nvCxnSpPr>
+          <p:cNvPr id="14" name="Straight Arrow Connector 13">
+            <a:extLst>
+              <a:ext uri="{FF2B5EF4-FFF2-40B4-BE49-F238E27FC236}">
+                <a16:creationId xmlns:a16="http://schemas.microsoft.com/office/drawing/2014/main" id="{F1DC5017-8B70-442E-BB9E-13220643AC9F}"/>
+              </a:ext>
+            </a:extLst>
+          </p:cNvPr>
+          <p:cNvCxnSpPr>
+            <a:cxnSpLocks/>
+            <a:stCxn id="5" idx="0"/>
+            <a:endCxn id="7" idx="2"/>
+          </p:cNvCxnSpPr>
+          <p:nvPr/>
+        </p:nvCxnSpPr>
+        <p:spPr>
+          <a:xfrm flipV="1">
+            <a:off x="1263459" y="4466099"/>
+            <a:ext cx="8732" cy="596403"/>
+          </a:xfrm>
+          <a:prstGeom prst="straightConnector1">
+            <a:avLst/>
+          </a:prstGeom>
+          <a:ln>
+            <a:tailEnd type="triangle"/>
+          </a:ln>
+        </p:spPr>
+        <p:style>
+          <a:lnRef idx="1">
+            <a:schemeClr val="accent1"/>
+          </a:lnRef>
+          <a:fillRef idx="0">
+            <a:schemeClr val="accent1"/>
+          </a:fillRef>
+          <a:effectRef idx="0">
+            <a:schemeClr val="accent1"/>
+          </a:effectRef>
+          <a:fontRef idx="minor">
+            <a:schemeClr val="tx1"/>
+          </a:fontRef>
+        </p:style>
+      </p:cxnSp>
+      <p:cxnSp>
+        <p:nvCxnSpPr>
+          <p:cNvPr id="17" name="Straight Arrow Connector 16">
+            <a:extLst>
+              <a:ext uri="{FF2B5EF4-FFF2-40B4-BE49-F238E27FC236}">
+                <a16:creationId xmlns:a16="http://schemas.microsoft.com/office/drawing/2014/main" id="{D6107A6C-37B2-41B1-994A-79C62343FE77}"/>
+              </a:ext>
+            </a:extLst>
+          </p:cNvPr>
+          <p:cNvCxnSpPr>
+            <a:cxnSpLocks/>
+            <a:stCxn id="7" idx="0"/>
+            <a:endCxn id="8" idx="2"/>
+          </p:cNvCxnSpPr>
+          <p:nvPr/>
+        </p:nvCxnSpPr>
+        <p:spPr>
+          <a:xfrm flipV="1">
+            <a:off x="1272191" y="3548766"/>
+            <a:ext cx="6729" cy="497004"/>
+          </a:xfrm>
+          <a:prstGeom prst="straightConnector1">
+            <a:avLst/>
+          </a:prstGeom>
+          <a:ln>
+            <a:tailEnd type="triangle"/>
+          </a:ln>
+        </p:spPr>
+        <p:style>
+          <a:lnRef idx="1">
+            <a:schemeClr val="accent1"/>
+          </a:lnRef>
+          <a:fillRef idx="0">
+            <a:schemeClr val="accent1"/>
+          </a:fillRef>
+          <a:effectRef idx="0">
+            <a:schemeClr val="accent1"/>
+          </a:effectRef>
+          <a:fontRef idx="minor">
+            <a:schemeClr val="tx1"/>
+          </a:fontRef>
+        </p:style>
+      </p:cxnSp>
+      <p:sp>
+        <p:nvSpPr>
+          <p:cNvPr id="22" name="TextBox 21">
+            <a:extLst>
+              <a:ext uri="{FF2B5EF4-FFF2-40B4-BE49-F238E27FC236}">
+                <a16:creationId xmlns:a16="http://schemas.microsoft.com/office/drawing/2014/main" id="{A36FECDE-0AC8-4BFD-88C2-9645C964854A}"/>
+              </a:ext>
+            </a:extLst>
+          </p:cNvPr>
+          <p:cNvSpPr txBox="1"/>
+          <p:nvPr/>
+        </p:nvSpPr>
+        <p:spPr>
+          <a:xfrm>
+            <a:off x="1239082" y="5832963"/>
+            <a:ext cx="1540457" cy="430887"/>
+          </a:xfrm>
+          <a:prstGeom prst="rect">
+            <a:avLst/>
+          </a:prstGeom>
+          <a:noFill/>
+        </p:spPr>
+        <p:txBody>
+          <a:bodyPr wrap="square" rtlCol="0">
+            <a:spAutoFit/>
+          </a:bodyPr>
+          <a:lstStyle/>
+          <a:p>
+            <a:r>
+              <a:rPr lang="en-US" sz="1100" dirty="0"/>
+              <a:t>Newly created </a:t>
+            </a:r>
+          </a:p>
+          <a:p>
+            <a:r>
+              <a:rPr lang="en-US" sz="1100" dirty="0"/>
+              <a:t>Order ID</a:t>
+            </a:r>
+            <a:endParaRPr lang="en-IN" sz="1100" dirty="0"/>
+          </a:p>
+        </p:txBody>
+      </p:sp>
+      <p:sp>
+        <p:nvSpPr>
+          <p:cNvPr id="23" name="TextBox 22">
+            <a:extLst>
+              <a:ext uri="{FF2B5EF4-FFF2-40B4-BE49-F238E27FC236}">
+                <a16:creationId xmlns:a16="http://schemas.microsoft.com/office/drawing/2014/main" id="{07F170C3-786C-4E39-A18E-D0D64D42C6A5}"/>
+              </a:ext>
+            </a:extLst>
+          </p:cNvPr>
+          <p:cNvSpPr txBox="1"/>
+          <p:nvPr/>
+        </p:nvSpPr>
+        <p:spPr>
+          <a:xfrm>
+            <a:off x="116482" y="1856302"/>
+            <a:ext cx="2342634" cy="646331"/>
+          </a:xfrm>
+          <a:prstGeom prst="rect">
+            <a:avLst/>
+          </a:prstGeom>
+          <a:solidFill>
+            <a:schemeClr val="accent6">
+              <a:lumMod val="20000"/>
+              <a:lumOff val="80000"/>
+            </a:schemeClr>
+          </a:solidFill>
+          <a:ln>
+            <a:solidFill>
+              <a:schemeClr val="tx1"/>
+            </a:solidFill>
+          </a:ln>
+        </p:spPr>
+        <p:txBody>
+          <a:bodyPr wrap="square" rtlCol="0">
+            <a:spAutoFit/>
+          </a:bodyPr>
+          <a:lstStyle/>
+          <a:p>
+            <a:pPr algn="ctr"/>
+            <a:r>
+              <a:rPr lang="en-US" sz="1200" dirty="0"/>
+              <a:t>_</a:t>
+            </a:r>
+            <a:r>
+              <a:rPr lang="en-US" sz="1200" dirty="0" err="1"/>
+              <a:t>mediator.send</a:t>
+            </a:r>
+            <a:endParaRPr lang="en-US" sz="1200" dirty="0"/>
+          </a:p>
+          <a:p>
+            <a:pPr algn="ctr"/>
+            <a:r>
+              <a:rPr lang="en-US" sz="1200" dirty="0"/>
+              <a:t>(</a:t>
+            </a:r>
+            <a:r>
+              <a:rPr lang="en-IN" sz="1100" b="1" dirty="0" err="1"/>
+              <a:t>SetAwaitingStockValidationStatusCommand</a:t>
+            </a:r>
+            <a:r>
+              <a:rPr lang="en-US" sz="1200" dirty="0"/>
+              <a:t>)</a:t>
+            </a:r>
+          </a:p>
+        </p:txBody>
+      </p:sp>
+      <p:cxnSp>
+        <p:nvCxnSpPr>
+          <p:cNvPr id="24" name="Straight Arrow Connector 23">
+            <a:extLst>
+              <a:ext uri="{FF2B5EF4-FFF2-40B4-BE49-F238E27FC236}">
+                <a16:creationId xmlns:a16="http://schemas.microsoft.com/office/drawing/2014/main" id="{81257CDE-6B13-4ABE-9B6D-D88D9FC784E8}"/>
+              </a:ext>
+            </a:extLst>
+          </p:cNvPr>
+          <p:cNvCxnSpPr>
+            <a:cxnSpLocks/>
+            <a:stCxn id="8" idx="0"/>
+            <a:endCxn id="23" idx="2"/>
+          </p:cNvCxnSpPr>
+          <p:nvPr/>
+        </p:nvCxnSpPr>
+        <p:spPr>
+          <a:xfrm flipV="1">
+            <a:off x="1278920" y="2502633"/>
+            <a:ext cx="8879" cy="399802"/>
+          </a:xfrm>
+          <a:prstGeom prst="straightConnector1">
+            <a:avLst/>
+          </a:prstGeom>
+          <a:ln>
+            <a:tailEnd type="triangle"/>
+          </a:ln>
+        </p:spPr>
+        <p:style>
+          <a:lnRef idx="1">
+            <a:schemeClr val="accent1"/>
+          </a:lnRef>
+          <a:fillRef idx="0">
+            <a:schemeClr val="accent1"/>
+          </a:fillRef>
+          <a:effectRef idx="0">
+            <a:schemeClr val="accent1"/>
+          </a:effectRef>
+          <a:fontRef idx="minor">
+            <a:schemeClr val="tx1"/>
+          </a:fontRef>
+        </p:style>
+      </p:cxnSp>
+      <p:sp>
+        <p:nvSpPr>
+          <p:cNvPr id="32" name="TextBox 31">
+            <a:extLst>
+              <a:ext uri="{FF2B5EF4-FFF2-40B4-BE49-F238E27FC236}">
+                <a16:creationId xmlns:a16="http://schemas.microsoft.com/office/drawing/2014/main" id="{EACB2271-0A6F-4327-8AF2-5CF1F5AA48B7}"/>
+              </a:ext>
+            </a:extLst>
+          </p:cNvPr>
+          <p:cNvSpPr txBox="1"/>
+          <p:nvPr/>
+        </p:nvSpPr>
+        <p:spPr>
+          <a:xfrm>
+            <a:off x="3009676" y="322987"/>
+            <a:ext cx="8984056" cy="1200329"/>
+          </a:xfrm>
+          <a:prstGeom prst="rect">
+            <a:avLst/>
+          </a:prstGeom>
+          <a:solidFill>
+            <a:schemeClr val="accent6">
+              <a:lumMod val="20000"/>
+              <a:lumOff val="80000"/>
+            </a:schemeClr>
+          </a:solidFill>
+          <a:ln>
+            <a:solidFill>
+              <a:schemeClr val="tx1"/>
+            </a:solidFill>
+          </a:ln>
+        </p:spPr>
+        <p:txBody>
+          <a:bodyPr wrap="square" rtlCol="0">
+            <a:spAutoFit/>
+          </a:bodyPr>
+          <a:lstStyle/>
+          <a:p>
+            <a:pPr algn="ctr"/>
+            <a:r>
+              <a:rPr lang="en-IN" sz="1200" b="1" dirty="0" err="1">
+                <a:solidFill>
+                  <a:srgbClr val="0070C0"/>
+                </a:solidFill>
+              </a:rPr>
+              <a:t>SetAwaitingStockValidationStatusCommandHandler</a:t>
+            </a:r>
+            <a:r>
+              <a:rPr lang="en-US" sz="1200" dirty="0"/>
+              <a:t> : </a:t>
+            </a:r>
+            <a:r>
+              <a:rPr lang="en-US" sz="1200" b="1" dirty="0" err="1">
+                <a:solidFill>
+                  <a:srgbClr val="FF0000"/>
+                </a:solidFill>
+              </a:rPr>
+              <a:t>mediator</a:t>
+            </a:r>
+            <a:r>
+              <a:rPr lang="en-US" sz="1200" b="1" dirty="0" err="1"/>
+              <a:t>.IRequestHandler</a:t>
+            </a:r>
+            <a:r>
+              <a:rPr lang="en-US" sz="1200" dirty="0"/>
+              <a:t>&lt;</a:t>
+            </a:r>
+            <a:r>
+              <a:rPr lang="en-IN" sz="1200" b="1" dirty="0" err="1"/>
+              <a:t>SetAwaitingStockValidationStatusCommand</a:t>
+            </a:r>
+            <a:r>
+              <a:rPr lang="en-US" sz="1200" dirty="0"/>
+              <a:t>, bool&gt;</a:t>
+            </a:r>
+          </a:p>
+          <a:p>
+            <a:pPr algn="ctr"/>
+            <a:endParaRPr lang="en-US" sz="1200" dirty="0"/>
+          </a:p>
+          <a:p>
+            <a:pPr marL="228600" indent="-228600" algn="ctr">
+              <a:buAutoNum type="arabicParenR"/>
+            </a:pPr>
+            <a:r>
+              <a:rPr lang="en-US" sz="1200" dirty="0"/>
+              <a:t>Fetches Order aggregate from repo using order id inside </a:t>
+            </a:r>
+            <a:r>
+              <a:rPr lang="en-IN" sz="1200" dirty="0" err="1"/>
+              <a:t>SetAwaitingStockValidationStatusCommand</a:t>
+            </a:r>
+            <a:endParaRPr lang="en-US" sz="1200" dirty="0"/>
+          </a:p>
+          <a:p>
+            <a:pPr marL="228600" indent="-228600" algn="ctr">
+              <a:buAutoNum type="arabicParenR"/>
+            </a:pPr>
+            <a:r>
+              <a:rPr lang="en-US" sz="1200" dirty="0"/>
+              <a:t>Then creates a domain event "</a:t>
+            </a:r>
+            <a:r>
+              <a:rPr lang="en-US" sz="1200" dirty="0" err="1"/>
+              <a:t>OrderStatusChangedToAwaitingStockValidationDomainEvent</a:t>
+            </a:r>
+            <a:r>
+              <a:rPr lang="en-US" sz="1200" dirty="0"/>
+              <a:t>“ inside the aggregate</a:t>
+            </a:r>
+          </a:p>
+          <a:p>
+            <a:pPr marL="228600" indent="-228600" algn="ctr">
+              <a:buAutoNum type="arabicParenR"/>
+            </a:pPr>
+            <a:r>
+              <a:rPr lang="en-US" sz="1200" dirty="0"/>
+              <a:t>Then it first calls _</a:t>
+            </a:r>
+            <a:r>
+              <a:rPr lang="en-US" sz="1200" dirty="0" err="1"/>
+              <a:t>mediator.DispatchDomainEventsAsync</a:t>
+            </a:r>
+            <a:r>
+              <a:rPr lang="en-US" sz="1200" dirty="0"/>
+              <a:t>; and then saves order back to repository.</a:t>
+            </a:r>
+          </a:p>
+          <a:p>
+            <a:pPr marL="228600" indent="-228600" algn="ctr">
+              <a:buAutoNum type="arabicParenR"/>
+            </a:pPr>
+            <a:r>
+              <a:rPr lang="en-US" sz="1200" dirty="0"/>
+              <a:t>_</a:t>
+            </a:r>
+            <a:r>
+              <a:rPr lang="en-US" sz="1200" b="1" dirty="0" err="1"/>
+              <a:t>mediator</a:t>
+            </a:r>
+            <a:r>
+              <a:rPr lang="en-US" sz="1200" dirty="0" err="1"/>
+              <a:t>.</a:t>
+            </a:r>
+            <a:r>
+              <a:rPr lang="en-US" sz="1200" b="1" dirty="0" err="1"/>
+              <a:t>DispatchDomainEventsAsync</a:t>
+            </a:r>
+            <a:r>
+              <a:rPr lang="en-US" sz="1200" dirty="0"/>
+              <a:t> calls "OrderStatusChangedToAwaitingStockValidationDomainEventHandler.Handle()“</a:t>
+            </a:r>
+          </a:p>
+        </p:txBody>
+      </p:sp>
+      <p:sp>
+        <p:nvSpPr>
+          <p:cNvPr id="33" name="TextBox 32">
+            <a:extLst>
+              <a:ext uri="{FF2B5EF4-FFF2-40B4-BE49-F238E27FC236}">
+                <a16:creationId xmlns:a16="http://schemas.microsoft.com/office/drawing/2014/main" id="{FE3E0666-0161-47A9-AC2D-95429214F96D}"/>
+              </a:ext>
+            </a:extLst>
+          </p:cNvPr>
+          <p:cNvSpPr txBox="1"/>
+          <p:nvPr/>
+        </p:nvSpPr>
+        <p:spPr>
+          <a:xfrm>
+            <a:off x="3009676" y="1949089"/>
+            <a:ext cx="8984056" cy="1477328"/>
+          </a:xfrm>
+          <a:prstGeom prst="rect">
+            <a:avLst/>
+          </a:prstGeom>
+          <a:solidFill>
+            <a:schemeClr val="accent6">
+              <a:lumMod val="20000"/>
+              <a:lumOff val="80000"/>
+            </a:schemeClr>
+          </a:solidFill>
+          <a:ln>
+            <a:solidFill>
+              <a:schemeClr val="tx1"/>
+            </a:solidFill>
+          </a:ln>
+        </p:spPr>
+        <p:txBody>
+          <a:bodyPr wrap="square" rtlCol="0">
+            <a:spAutoFit/>
+          </a:bodyPr>
+          <a:lstStyle/>
+          <a:p>
+            <a:pPr algn="ctr"/>
+            <a:r>
+              <a:rPr lang="en-US" sz="1200" b="1" dirty="0" err="1">
+                <a:solidFill>
+                  <a:srgbClr val="0070C0"/>
+                </a:solidFill>
+              </a:rPr>
+              <a:t>OrderStatusChangedToAwaitingStockValidationDomainEventHandler</a:t>
+            </a:r>
+            <a:r>
+              <a:rPr lang="en-US" sz="1200" dirty="0"/>
+              <a:t> : </a:t>
+            </a:r>
+            <a:r>
+              <a:rPr lang="en-US" sz="1200" b="1" dirty="0">
+                <a:solidFill>
+                  <a:srgbClr val="FF0000"/>
+                </a:solidFill>
+              </a:rPr>
+              <a:t>mediator</a:t>
+            </a:r>
+            <a:r>
+              <a:rPr lang="en-US" sz="1200" b="1" dirty="0"/>
+              <a:t>.</a:t>
+            </a:r>
+            <a:r>
+              <a:rPr lang="en-IN" sz="1200" b="1" dirty="0" err="1"/>
+              <a:t>INotificationHandler</a:t>
+            </a:r>
+            <a:r>
+              <a:rPr lang="en-IN" dirty="0"/>
+              <a:t> </a:t>
+            </a:r>
+            <a:r>
+              <a:rPr lang="en-US" sz="1200" dirty="0"/>
+              <a:t>&lt;</a:t>
+            </a:r>
+            <a:r>
+              <a:rPr lang="en-IN" dirty="0"/>
+              <a:t> </a:t>
+            </a:r>
+            <a:r>
+              <a:rPr lang="en-IN" sz="1200" b="1" dirty="0" err="1"/>
+              <a:t>OrderStatusChangedToAwaitingStockValidationDomainEvent</a:t>
+            </a:r>
+            <a:r>
+              <a:rPr lang="en-US" sz="1200" dirty="0"/>
+              <a:t>, bool&gt;</a:t>
+            </a:r>
+          </a:p>
+          <a:p>
+            <a:pPr algn="ctr"/>
+            <a:endParaRPr lang="en-US" sz="1200" dirty="0"/>
+          </a:p>
+          <a:p>
+            <a:pPr marL="228600" indent="-228600" algn="ctr">
+              <a:buAutoNum type="arabicParenR"/>
+            </a:pPr>
+            <a:r>
+              <a:rPr lang="en-US" sz="1200" dirty="0"/>
+              <a:t>This handle() method creates “</a:t>
+            </a:r>
+            <a:r>
+              <a:rPr lang="en-US" sz="1200" dirty="0" err="1"/>
+              <a:t>OrderStatusChangedToAwaitingStockValidationIntegrationEvent</a:t>
+            </a:r>
+            <a:r>
+              <a:rPr lang="en-US" sz="1200" dirty="0"/>
+              <a:t>” </a:t>
+            </a:r>
+          </a:p>
+          <a:p>
+            <a:pPr marL="228600" indent="-228600" algn="ctr">
+              <a:buAutoNum type="arabicParenR"/>
+            </a:pPr>
+            <a:r>
+              <a:rPr lang="en-US" sz="1200" dirty="0"/>
+              <a:t>Then this handle() method calls </a:t>
+            </a:r>
+            <a:r>
+              <a:rPr lang="en-IN" sz="1200" dirty="0"/>
+              <a:t>_</a:t>
+            </a:r>
+            <a:r>
+              <a:rPr lang="en-IN" sz="1200" dirty="0" err="1"/>
+              <a:t>orderingIntegrationEventService.AddAndSaveEventAsync</a:t>
+            </a:r>
+            <a:r>
+              <a:rPr lang="en-IN" sz="1200" dirty="0"/>
+              <a:t>. </a:t>
+            </a:r>
+          </a:p>
+          <a:p>
+            <a:pPr marL="228600" indent="-228600" algn="ctr">
+              <a:buAutoNum type="arabicParenR"/>
+            </a:pPr>
+            <a:r>
+              <a:rPr lang="en-IN" sz="1200" dirty="0"/>
+              <a:t>This </a:t>
+            </a:r>
+            <a:r>
+              <a:rPr lang="en-IN" sz="1200" b="1" dirty="0" err="1"/>
+              <a:t>AddAndSaveEventAsync</a:t>
+            </a:r>
+            <a:r>
+              <a:rPr lang="en-IN" sz="1200" dirty="0"/>
+              <a:t> stores “</a:t>
+            </a:r>
+            <a:r>
+              <a:rPr lang="en-IN" sz="1200" b="1" dirty="0" err="1"/>
+              <a:t>OrderStatusChangedToAwaitingStockValidationIntegrationEvent</a:t>
+            </a:r>
+            <a:r>
+              <a:rPr lang="en-IN" sz="1200" dirty="0"/>
+              <a:t>” to event store and </a:t>
+            </a:r>
+          </a:p>
+          <a:p>
+            <a:pPr marL="228600" indent="-228600" algn="ctr">
+              <a:buAutoNum type="arabicParenR"/>
+            </a:pPr>
+            <a:r>
+              <a:rPr lang="en-IN" sz="1200" dirty="0"/>
+              <a:t>publishes that integration event to service bus by use of </a:t>
+            </a:r>
+            <a:r>
+              <a:rPr lang="en-IN" sz="1200" dirty="0" err="1"/>
+              <a:t>TransactionBehaviour</a:t>
+            </a:r>
+            <a:r>
+              <a:rPr lang="en-IN" sz="1200" dirty="0"/>
+              <a:t> pipeline post-processing code. </a:t>
+            </a:r>
+            <a:endParaRPr lang="en-US" sz="1200" dirty="0"/>
+          </a:p>
+        </p:txBody>
+      </p:sp>
+      <p:cxnSp>
+        <p:nvCxnSpPr>
+          <p:cNvPr id="35" name="Straight Arrow Connector 34">
+            <a:extLst>
+              <a:ext uri="{FF2B5EF4-FFF2-40B4-BE49-F238E27FC236}">
+                <a16:creationId xmlns:a16="http://schemas.microsoft.com/office/drawing/2014/main" id="{BB08CBEF-9F7E-4C62-88DA-F88D5580646A}"/>
+              </a:ext>
+            </a:extLst>
+          </p:cNvPr>
+          <p:cNvCxnSpPr>
+            <a:stCxn id="23" idx="0"/>
+            <a:endCxn id="32" idx="1"/>
+          </p:cNvCxnSpPr>
+          <p:nvPr/>
+        </p:nvCxnSpPr>
+        <p:spPr>
+          <a:xfrm rot="5400000" flipH="1" flipV="1">
+            <a:off x="1682162" y="528789"/>
+            <a:ext cx="933150" cy="1721877"/>
+          </a:xfrm>
+          <a:prstGeom prst="bentConnector2">
+            <a:avLst/>
+          </a:prstGeom>
+          <a:ln>
+            <a:tailEnd type="triangle"/>
+          </a:ln>
+        </p:spPr>
+        <p:style>
+          <a:lnRef idx="1">
+            <a:schemeClr val="accent1"/>
+          </a:lnRef>
+          <a:fillRef idx="0">
+            <a:schemeClr val="accent1"/>
+          </a:fillRef>
+          <a:effectRef idx="0">
+            <a:schemeClr val="accent1"/>
+          </a:effectRef>
+          <a:fontRef idx="minor">
+            <a:schemeClr val="tx1"/>
+          </a:fontRef>
+        </p:style>
+      </p:cxnSp>
+      <p:sp>
+        <p:nvSpPr>
+          <p:cNvPr id="36" name="Rectangle: Top Corners One Rounded and One Snipped 35">
+            <a:extLst>
+              <a:ext uri="{FF2B5EF4-FFF2-40B4-BE49-F238E27FC236}">
+                <a16:creationId xmlns:a16="http://schemas.microsoft.com/office/drawing/2014/main" id="{42C5DF02-0807-4AF8-B20F-2F60F3DDB0C8}"/>
+              </a:ext>
+            </a:extLst>
+          </p:cNvPr>
+          <p:cNvSpPr/>
+          <p:nvPr/>
+        </p:nvSpPr>
+        <p:spPr>
+          <a:xfrm>
+            <a:off x="1334436" y="1003169"/>
+            <a:ext cx="206477" cy="176778"/>
+          </a:xfrm>
+          <a:prstGeom prst="snipRoundRect">
+            <a:avLst/>
+          </a:prstGeom>
+        </p:spPr>
+        <p:style>
+          <a:lnRef idx="2">
+            <a:schemeClr val="accent4">
+              <a:shade val="50000"/>
+            </a:schemeClr>
+          </a:lnRef>
+          <a:fillRef idx="1">
+            <a:schemeClr val="accent4"/>
+          </a:fillRef>
+          <a:effectRef idx="0">
+            <a:schemeClr val="accent4"/>
+          </a:effectRef>
+          <a:fontRef idx="minor">
+            <a:schemeClr val="lt1"/>
+          </a:fontRef>
+        </p:style>
+        <p:txBody>
+          <a:bodyPr rtlCol="0" anchor="ctr"/>
+          <a:lstStyle/>
+          <a:p>
+            <a:pPr algn="ctr"/>
+            <a:endParaRPr lang="en-IN"/>
+          </a:p>
+        </p:txBody>
+      </p:sp>
+      <p:sp>
+        <p:nvSpPr>
+          <p:cNvPr id="37" name="TextBox 36">
+            <a:extLst>
+              <a:ext uri="{FF2B5EF4-FFF2-40B4-BE49-F238E27FC236}">
+                <a16:creationId xmlns:a16="http://schemas.microsoft.com/office/drawing/2014/main" id="{E706DAEA-2F3C-4B14-B7BF-EB8FC78605ED}"/>
+              </a:ext>
+            </a:extLst>
+          </p:cNvPr>
+          <p:cNvSpPr txBox="1"/>
+          <p:nvPr/>
+        </p:nvSpPr>
+        <p:spPr>
+          <a:xfrm>
+            <a:off x="1256835" y="506355"/>
+            <a:ext cx="1780951" cy="430887"/>
+          </a:xfrm>
+          <a:prstGeom prst="rect">
+            <a:avLst/>
+          </a:prstGeom>
+          <a:noFill/>
+        </p:spPr>
+        <p:txBody>
+          <a:bodyPr wrap="square" rtlCol="0">
+            <a:spAutoFit/>
+          </a:bodyPr>
+          <a:lstStyle/>
+          <a:p>
+            <a:r>
+              <a:rPr lang="en-IN" sz="1100" dirty="0" err="1"/>
+              <a:t>SetAwaitingStockValidationStatusCommand</a:t>
+            </a:r>
+            <a:endParaRPr lang="en-IN" sz="1100" dirty="0"/>
+          </a:p>
+        </p:txBody>
+      </p:sp>
+      <p:sp>
+        <p:nvSpPr>
+          <p:cNvPr id="38" name="Flowchart: Direct Access Storage 37">
+            <a:extLst>
+              <a:ext uri="{FF2B5EF4-FFF2-40B4-BE49-F238E27FC236}">
+                <a16:creationId xmlns:a16="http://schemas.microsoft.com/office/drawing/2014/main" id="{40730F03-5C46-461C-BD3D-951E5266B017}"/>
+              </a:ext>
+            </a:extLst>
+          </p:cNvPr>
+          <p:cNvSpPr/>
+          <p:nvPr/>
+        </p:nvSpPr>
+        <p:spPr>
+          <a:xfrm>
+            <a:off x="7128341" y="3871117"/>
+            <a:ext cx="1394112" cy="420329"/>
+          </a:xfrm>
+          <a:prstGeom prst="flowChartMagneticDrum">
+            <a:avLst/>
+          </a:prstGeom>
+          <a:solidFill>
+            <a:srgbClr val="7030A0"/>
+          </a:solidFill>
+          <a:ln>
+            <a:solidFill>
+              <a:schemeClr val="bg1"/>
+            </a:solidFill>
+          </a:ln>
+        </p:spPr>
+        <p:style>
+          <a:lnRef idx="2">
+            <a:schemeClr val="accent1">
+              <a:shade val="50000"/>
+            </a:schemeClr>
+          </a:lnRef>
+          <a:fillRef idx="1">
+            <a:schemeClr val="accent1"/>
+          </a:fillRef>
+          <a:effectRef idx="0">
+            <a:schemeClr val="accent1"/>
+          </a:effectRef>
+          <a:fontRef idx="minor">
+            <a:schemeClr val="lt1"/>
+          </a:fontRef>
+        </p:style>
+        <p:txBody>
+          <a:bodyPr rtlCol="0" anchor="ctr"/>
+          <a:lstStyle/>
+          <a:p>
+            <a:pPr algn="ctr"/>
+            <a:r>
+              <a:rPr lang="en-US" sz="1200" b="1" dirty="0"/>
+              <a:t>Service Bus</a:t>
+            </a:r>
+            <a:endParaRPr lang="en-IN" sz="1200" b="1" dirty="0"/>
+          </a:p>
+        </p:txBody>
+      </p:sp>
+      <p:cxnSp>
+        <p:nvCxnSpPr>
+          <p:cNvPr id="40" name="Straight Arrow Connector 39">
+            <a:extLst>
+              <a:ext uri="{FF2B5EF4-FFF2-40B4-BE49-F238E27FC236}">
+                <a16:creationId xmlns:a16="http://schemas.microsoft.com/office/drawing/2014/main" id="{F2AB5B09-F3CA-4E85-A2E4-A94C9884373E}"/>
+              </a:ext>
+            </a:extLst>
+          </p:cNvPr>
+          <p:cNvCxnSpPr>
+            <a:cxnSpLocks/>
+            <a:endCxn id="38" idx="0"/>
+          </p:cNvCxnSpPr>
+          <p:nvPr/>
+        </p:nvCxnSpPr>
+        <p:spPr>
+          <a:xfrm>
+            <a:off x="7825396" y="3408661"/>
+            <a:ext cx="1" cy="462456"/>
+          </a:xfrm>
+          <a:prstGeom prst="straightConnector1">
+            <a:avLst/>
+          </a:prstGeom>
+          <a:ln>
+            <a:tailEnd type="triangle"/>
+          </a:ln>
+        </p:spPr>
+        <p:style>
+          <a:lnRef idx="1">
+            <a:schemeClr val="accent1"/>
+          </a:lnRef>
+          <a:fillRef idx="0">
+            <a:schemeClr val="accent1"/>
+          </a:fillRef>
+          <a:effectRef idx="0">
+            <a:schemeClr val="accent1"/>
+          </a:effectRef>
+          <a:fontRef idx="minor">
+            <a:schemeClr val="tx1"/>
+          </a:fontRef>
+        </p:style>
+      </p:cxnSp>
+      <p:sp>
+        <p:nvSpPr>
+          <p:cNvPr id="41" name="Rectangle: Top Corners One Rounded and One Snipped 40">
+            <a:extLst>
+              <a:ext uri="{FF2B5EF4-FFF2-40B4-BE49-F238E27FC236}">
+                <a16:creationId xmlns:a16="http://schemas.microsoft.com/office/drawing/2014/main" id="{14D70EAD-D013-450B-BAF5-26CA863E13E6}"/>
+              </a:ext>
+            </a:extLst>
+          </p:cNvPr>
+          <p:cNvSpPr/>
+          <p:nvPr/>
+        </p:nvSpPr>
+        <p:spPr>
+          <a:xfrm>
+            <a:off x="7576262" y="3533743"/>
+            <a:ext cx="206477" cy="176778"/>
+          </a:xfrm>
+          <a:prstGeom prst="snipRoundRect">
+            <a:avLst/>
+          </a:prstGeom>
+        </p:spPr>
+        <p:style>
+          <a:lnRef idx="2">
+            <a:schemeClr val="accent4">
+              <a:shade val="50000"/>
+            </a:schemeClr>
+          </a:lnRef>
+          <a:fillRef idx="1">
+            <a:schemeClr val="accent4"/>
+          </a:fillRef>
+          <a:effectRef idx="0">
+            <a:schemeClr val="accent4"/>
+          </a:effectRef>
+          <a:fontRef idx="minor">
+            <a:schemeClr val="lt1"/>
+          </a:fontRef>
+        </p:style>
+        <p:txBody>
+          <a:bodyPr rtlCol="0" anchor="ctr"/>
+          <a:lstStyle/>
+          <a:p>
+            <a:pPr algn="ctr"/>
+            <a:endParaRPr lang="en-IN"/>
+          </a:p>
+        </p:txBody>
+      </p:sp>
+      <p:sp>
+        <p:nvSpPr>
+          <p:cNvPr id="42" name="TextBox 41">
+            <a:extLst>
+              <a:ext uri="{FF2B5EF4-FFF2-40B4-BE49-F238E27FC236}">
+                <a16:creationId xmlns:a16="http://schemas.microsoft.com/office/drawing/2014/main" id="{171DA6A6-4160-45D0-AD58-78F8311AC9C9}"/>
+              </a:ext>
+            </a:extLst>
+          </p:cNvPr>
+          <p:cNvSpPr txBox="1"/>
+          <p:nvPr/>
+        </p:nvSpPr>
+        <p:spPr>
+          <a:xfrm>
+            <a:off x="7813869" y="3426021"/>
+            <a:ext cx="4206494" cy="261610"/>
+          </a:xfrm>
+          <a:prstGeom prst="rect">
+            <a:avLst/>
+          </a:prstGeom>
+          <a:noFill/>
+        </p:spPr>
+        <p:txBody>
+          <a:bodyPr wrap="square" rtlCol="0">
+            <a:spAutoFit/>
+          </a:bodyPr>
+          <a:lstStyle/>
+          <a:p>
+            <a:r>
+              <a:rPr lang="en-IN" sz="1100" dirty="0" err="1"/>
+              <a:t>OrderStatusChangedToAwaitingStockValidation</a:t>
+            </a:r>
+            <a:r>
+              <a:rPr lang="en-IN" sz="1100" b="1" dirty="0" err="1"/>
+              <a:t>IntegrationEvent</a:t>
+            </a:r>
+            <a:endParaRPr lang="en-IN" sz="1100" b="1" dirty="0"/>
+          </a:p>
+        </p:txBody>
+      </p:sp>
+      <p:cxnSp>
+        <p:nvCxnSpPr>
+          <p:cNvPr id="43" name="Straight Arrow Connector 42">
+            <a:extLst>
+              <a:ext uri="{FF2B5EF4-FFF2-40B4-BE49-F238E27FC236}">
+                <a16:creationId xmlns:a16="http://schemas.microsoft.com/office/drawing/2014/main" id="{A1730556-5481-4E66-A01C-B1C3E3C67803}"/>
+              </a:ext>
+            </a:extLst>
+          </p:cNvPr>
+          <p:cNvCxnSpPr>
+            <a:cxnSpLocks/>
+            <a:stCxn id="32" idx="2"/>
+            <a:endCxn id="33" idx="0"/>
+          </p:cNvCxnSpPr>
+          <p:nvPr/>
+        </p:nvCxnSpPr>
+        <p:spPr>
+          <a:xfrm>
+            <a:off x="7501704" y="1523316"/>
+            <a:ext cx="0" cy="425773"/>
+          </a:xfrm>
+          <a:prstGeom prst="straightConnector1">
+            <a:avLst/>
+          </a:prstGeom>
+          <a:ln>
+            <a:tailEnd type="triangle"/>
+          </a:ln>
+        </p:spPr>
+        <p:style>
+          <a:lnRef idx="1">
+            <a:schemeClr val="accent1"/>
+          </a:lnRef>
+          <a:fillRef idx="0">
+            <a:schemeClr val="accent1"/>
+          </a:fillRef>
+          <a:effectRef idx="0">
+            <a:schemeClr val="accent1"/>
+          </a:effectRef>
+          <a:fontRef idx="minor">
+            <a:schemeClr val="tx1"/>
+          </a:fontRef>
+        </p:style>
+      </p:cxnSp>
+      <p:sp>
+        <p:nvSpPr>
+          <p:cNvPr id="46" name="Rectangle: Top Corners One Rounded and One Snipped 45">
+            <a:extLst>
+              <a:ext uri="{FF2B5EF4-FFF2-40B4-BE49-F238E27FC236}">
+                <a16:creationId xmlns:a16="http://schemas.microsoft.com/office/drawing/2014/main" id="{A922270A-A583-41A7-A252-EAE124AFC8E5}"/>
+              </a:ext>
+            </a:extLst>
+          </p:cNvPr>
+          <p:cNvSpPr/>
+          <p:nvPr/>
+        </p:nvSpPr>
+        <p:spPr>
+          <a:xfrm>
+            <a:off x="7222633" y="1653154"/>
+            <a:ext cx="206477" cy="176778"/>
+          </a:xfrm>
+          <a:prstGeom prst="snipRoundRect">
+            <a:avLst/>
+          </a:prstGeom>
+        </p:spPr>
+        <p:style>
+          <a:lnRef idx="2">
+            <a:schemeClr val="accent4">
+              <a:shade val="50000"/>
+            </a:schemeClr>
+          </a:lnRef>
+          <a:fillRef idx="1">
+            <a:schemeClr val="accent4"/>
+          </a:fillRef>
+          <a:effectRef idx="0">
+            <a:schemeClr val="accent4"/>
+          </a:effectRef>
+          <a:fontRef idx="minor">
+            <a:schemeClr val="lt1"/>
+          </a:fontRef>
+        </p:style>
+        <p:txBody>
+          <a:bodyPr rtlCol="0" anchor="ctr"/>
+          <a:lstStyle/>
+          <a:p>
+            <a:pPr algn="ctr"/>
+            <a:endParaRPr lang="en-IN"/>
+          </a:p>
+        </p:txBody>
+      </p:sp>
+      <p:sp>
+        <p:nvSpPr>
+          <p:cNvPr id="47" name="TextBox 46">
+            <a:extLst>
+              <a:ext uri="{FF2B5EF4-FFF2-40B4-BE49-F238E27FC236}">
+                <a16:creationId xmlns:a16="http://schemas.microsoft.com/office/drawing/2014/main" id="{A4D83363-B9AC-4C52-B44A-9B855EE34AB6}"/>
+              </a:ext>
+            </a:extLst>
+          </p:cNvPr>
+          <p:cNvSpPr txBox="1"/>
+          <p:nvPr/>
+        </p:nvSpPr>
+        <p:spPr>
+          <a:xfrm>
+            <a:off x="7469113" y="1598700"/>
+            <a:ext cx="4206494" cy="261610"/>
+          </a:xfrm>
+          <a:prstGeom prst="rect">
+            <a:avLst/>
+          </a:prstGeom>
+          <a:noFill/>
+        </p:spPr>
+        <p:txBody>
+          <a:bodyPr wrap="square" rtlCol="0">
+            <a:spAutoFit/>
+          </a:bodyPr>
+          <a:lstStyle/>
+          <a:p>
+            <a:r>
+              <a:rPr lang="en-US" sz="1100" dirty="0" err="1"/>
+              <a:t>OrderStatusChangedToAwaitingStockValidation</a:t>
+            </a:r>
+            <a:r>
+              <a:rPr lang="en-US" sz="1100" b="1" dirty="0" err="1"/>
+              <a:t>DomainEvent</a:t>
+            </a:r>
+            <a:endParaRPr lang="en-IN" sz="1100" b="1" dirty="0"/>
+          </a:p>
+        </p:txBody>
+      </p:sp>
+      <p:sp>
+        <p:nvSpPr>
+          <p:cNvPr id="48" name="TextBox 47">
+            <a:extLst>
+              <a:ext uri="{FF2B5EF4-FFF2-40B4-BE49-F238E27FC236}">
+                <a16:creationId xmlns:a16="http://schemas.microsoft.com/office/drawing/2014/main" id="{50DE934E-5B57-436D-9B5D-98F00BAB87C5}"/>
+              </a:ext>
+            </a:extLst>
+          </p:cNvPr>
+          <p:cNvSpPr txBox="1"/>
+          <p:nvPr/>
+        </p:nvSpPr>
+        <p:spPr>
+          <a:xfrm>
+            <a:off x="3009677" y="3754562"/>
+            <a:ext cx="3727342" cy="2123658"/>
+          </a:xfrm>
+          <a:prstGeom prst="rect">
+            <a:avLst/>
+          </a:prstGeom>
+          <a:solidFill>
+            <a:srgbClr val="FFC000"/>
+          </a:solidFill>
+          <a:ln>
+            <a:solidFill>
+              <a:schemeClr val="tx1"/>
+            </a:solidFill>
+          </a:ln>
+        </p:spPr>
+        <p:txBody>
+          <a:bodyPr wrap="square" rtlCol="0">
+            <a:spAutoFit/>
+          </a:bodyPr>
+          <a:lstStyle/>
+          <a:p>
+            <a:pPr algn="ctr"/>
+            <a:r>
+              <a:rPr lang="en-IN" sz="1200" b="1" dirty="0" err="1"/>
+              <a:t>Catalog</a:t>
+            </a:r>
+            <a:r>
+              <a:rPr lang="en-IN" sz="1200" b="1" dirty="0"/>
+              <a:t> API </a:t>
+            </a:r>
+            <a:endParaRPr lang="en-IN" sz="1200" dirty="0"/>
+          </a:p>
+          <a:p>
+            <a:pPr algn="ctr"/>
+            <a:r>
+              <a:rPr lang="en-IN" sz="1200" dirty="0"/>
+              <a:t>OrderStatusChangedToAwaitingStockValidationIntegrationEventHandler.Handle()</a:t>
+            </a:r>
+          </a:p>
+          <a:p>
+            <a:pPr algn="ctr"/>
+            <a:endParaRPr lang="en-IN" sz="1200" dirty="0"/>
+          </a:p>
+          <a:p>
+            <a:pPr marL="228600" indent="-228600">
+              <a:buAutoNum type="arabicPeriod"/>
+            </a:pPr>
+            <a:r>
+              <a:rPr lang="en-IN" sz="1200" dirty="0"/>
+              <a:t>Checks if stock available</a:t>
+            </a:r>
+          </a:p>
+          <a:p>
+            <a:pPr marL="685800" lvl="1" indent="-228600">
+              <a:buAutoNum type="arabicPeriod"/>
+            </a:pPr>
+            <a:r>
+              <a:rPr lang="en-IN" sz="1200" dirty="0"/>
+              <a:t>If yes, </a:t>
+            </a:r>
+            <a:r>
+              <a:rPr lang="en-IN" sz="1100" dirty="0" err="1"/>
+              <a:t>OrderStockConfirmedIntegrationEvent</a:t>
+            </a:r>
+            <a:endParaRPr lang="en-IN" sz="1100" dirty="0"/>
+          </a:p>
+          <a:p>
+            <a:pPr marL="685800" lvl="1" indent="-228600">
+              <a:buAutoNum type="arabicPeriod"/>
+            </a:pPr>
+            <a:r>
+              <a:rPr lang="en-IN" sz="1100" dirty="0"/>
+              <a:t>If no, </a:t>
+            </a:r>
+            <a:r>
+              <a:rPr lang="en-IN" sz="1200" dirty="0" err="1"/>
+              <a:t>OrderStockRejectedIntegrationEvent</a:t>
+            </a:r>
+            <a:endParaRPr lang="en-IN" sz="1200" dirty="0"/>
+          </a:p>
+          <a:p>
+            <a:pPr marL="228600" indent="-228600">
+              <a:buAutoNum type="arabicPeriod"/>
+            </a:pPr>
+            <a:r>
+              <a:rPr lang="en-IN" sz="1200" dirty="0"/>
+              <a:t>_catalogIntegrationEventService.SaveEventAndCatalogContextChangesAsync =&gt; Saves event to </a:t>
+            </a:r>
+            <a:r>
+              <a:rPr lang="en-IN" sz="1200" dirty="0" err="1"/>
+              <a:t>catalog</a:t>
+            </a:r>
+            <a:r>
+              <a:rPr lang="en-IN" sz="1200" dirty="0"/>
+              <a:t> database and </a:t>
+            </a:r>
+            <a:r>
+              <a:rPr lang="en-IN" sz="1200" dirty="0" err="1"/>
+              <a:t>catalog</a:t>
+            </a:r>
+            <a:r>
+              <a:rPr lang="en-IN" sz="1200" dirty="0"/>
+              <a:t> </a:t>
+            </a:r>
+            <a:r>
+              <a:rPr lang="en-IN" sz="1200" dirty="0" err="1"/>
+              <a:t>eventlog</a:t>
+            </a:r>
+            <a:r>
+              <a:rPr lang="en-IN" sz="1200" dirty="0"/>
+              <a:t> database</a:t>
+            </a:r>
+          </a:p>
+          <a:p>
+            <a:pPr marL="228600" indent="-228600">
+              <a:buAutoNum type="arabicPeriod"/>
+            </a:pPr>
+            <a:r>
+              <a:rPr lang="en-IN" sz="1200" dirty="0"/>
+              <a:t>Publish event to service bus</a:t>
+            </a:r>
+            <a:endParaRPr lang="en-IN" sz="1000" dirty="0"/>
+          </a:p>
+        </p:txBody>
+      </p:sp>
+      <p:sp>
+        <p:nvSpPr>
+          <p:cNvPr id="49" name="TextBox 48">
+            <a:extLst>
+              <a:ext uri="{FF2B5EF4-FFF2-40B4-BE49-F238E27FC236}">
+                <a16:creationId xmlns:a16="http://schemas.microsoft.com/office/drawing/2014/main" id="{5D62E263-0960-4577-ACBF-A5D232921D39}"/>
+              </a:ext>
+            </a:extLst>
+          </p:cNvPr>
+          <p:cNvSpPr txBox="1"/>
+          <p:nvPr/>
+        </p:nvSpPr>
+        <p:spPr>
+          <a:xfrm>
+            <a:off x="9480316" y="3761669"/>
+            <a:ext cx="2513415" cy="646331"/>
+          </a:xfrm>
+          <a:prstGeom prst="rect">
+            <a:avLst/>
+          </a:prstGeom>
+          <a:solidFill>
+            <a:schemeClr val="accent6">
+              <a:lumMod val="20000"/>
+              <a:lumOff val="80000"/>
+            </a:schemeClr>
+          </a:solidFill>
+          <a:ln>
+            <a:solidFill>
+              <a:schemeClr val="tx1"/>
+            </a:solidFill>
+          </a:ln>
+        </p:spPr>
+        <p:txBody>
+          <a:bodyPr wrap="square" rtlCol="0">
+            <a:spAutoFit/>
+          </a:bodyPr>
+          <a:lstStyle/>
+          <a:p>
+            <a:pPr algn="ctr"/>
+            <a:r>
+              <a:rPr lang="en-IN" sz="1200" b="1" dirty="0" err="1"/>
+              <a:t>Ordering.SignalRHub</a:t>
+            </a:r>
+            <a:r>
+              <a:rPr lang="en-IN" sz="1200" b="1" dirty="0"/>
+              <a:t> </a:t>
+            </a:r>
+          </a:p>
+          <a:p>
+            <a:pPr algn="ctr"/>
+            <a:r>
+              <a:rPr lang="en-IN" sz="1200" dirty="0"/>
+              <a:t>Notifies user in frontend about awaiting stock validation status</a:t>
+            </a:r>
+          </a:p>
+        </p:txBody>
+      </p:sp>
+      <p:cxnSp>
+        <p:nvCxnSpPr>
+          <p:cNvPr id="51" name="Straight Arrow Connector 50">
+            <a:extLst>
+              <a:ext uri="{FF2B5EF4-FFF2-40B4-BE49-F238E27FC236}">
+                <a16:creationId xmlns:a16="http://schemas.microsoft.com/office/drawing/2014/main" id="{8D43E208-7328-4386-B5F6-665AF42CA613}"/>
+              </a:ext>
+            </a:extLst>
+          </p:cNvPr>
+          <p:cNvCxnSpPr>
+            <a:cxnSpLocks/>
+            <a:stCxn id="38" idx="4"/>
+            <a:endCxn id="49" idx="1"/>
+          </p:cNvCxnSpPr>
+          <p:nvPr/>
+        </p:nvCxnSpPr>
+        <p:spPr>
+          <a:xfrm>
+            <a:off x="8522453" y="4081282"/>
+            <a:ext cx="957863" cy="3553"/>
+          </a:xfrm>
+          <a:prstGeom prst="bentConnector3">
+            <a:avLst>
+              <a:gd name="adj1" fmla="val 50000"/>
+            </a:avLst>
+          </a:prstGeom>
+          <a:ln>
+            <a:tailEnd type="triangle"/>
+          </a:ln>
+        </p:spPr>
+        <p:style>
+          <a:lnRef idx="1">
+            <a:schemeClr val="accent1"/>
+          </a:lnRef>
+          <a:fillRef idx="0">
+            <a:schemeClr val="accent1"/>
+          </a:fillRef>
+          <a:effectRef idx="0">
+            <a:schemeClr val="accent1"/>
+          </a:effectRef>
+          <a:fontRef idx="minor">
+            <a:schemeClr val="tx1"/>
+          </a:fontRef>
+        </p:style>
+      </p:cxnSp>
+      <p:cxnSp>
+        <p:nvCxnSpPr>
+          <p:cNvPr id="54" name="Straight Arrow Connector 53">
+            <a:extLst>
+              <a:ext uri="{FF2B5EF4-FFF2-40B4-BE49-F238E27FC236}">
+                <a16:creationId xmlns:a16="http://schemas.microsoft.com/office/drawing/2014/main" id="{1C6817D6-72E1-46F8-9F28-E14EF21F1771}"/>
+              </a:ext>
+            </a:extLst>
+          </p:cNvPr>
+          <p:cNvCxnSpPr>
+            <a:cxnSpLocks/>
+            <a:stCxn id="38" idx="1"/>
+            <a:endCxn id="48" idx="3"/>
+          </p:cNvCxnSpPr>
+          <p:nvPr/>
+        </p:nvCxnSpPr>
+        <p:spPr>
+          <a:xfrm rot="10800000" flipV="1">
+            <a:off x="6737019" y="4081281"/>
+            <a:ext cx="391322" cy="735109"/>
+          </a:xfrm>
+          <a:prstGeom prst="bentConnector3">
+            <a:avLst>
+              <a:gd name="adj1" fmla="val 50000"/>
+            </a:avLst>
+          </a:prstGeom>
+          <a:ln>
+            <a:tailEnd type="triangle"/>
+          </a:ln>
+        </p:spPr>
+        <p:style>
+          <a:lnRef idx="1">
+            <a:schemeClr val="accent1"/>
+          </a:lnRef>
+          <a:fillRef idx="0">
+            <a:schemeClr val="accent1"/>
+          </a:fillRef>
+          <a:effectRef idx="0">
+            <a:schemeClr val="accent1"/>
+          </a:effectRef>
+          <a:fontRef idx="minor">
+            <a:schemeClr val="tx1"/>
+          </a:fontRef>
+        </p:style>
+      </p:cxnSp>
+      <p:sp>
+        <p:nvSpPr>
+          <p:cNvPr id="61" name="Rectangle: Top Corners One Rounded and One Snipped 60">
+            <a:extLst>
+              <a:ext uri="{FF2B5EF4-FFF2-40B4-BE49-F238E27FC236}">
+                <a16:creationId xmlns:a16="http://schemas.microsoft.com/office/drawing/2014/main" id="{374F668E-1C53-4B62-8FD3-71F421EB1B12}"/>
+              </a:ext>
+            </a:extLst>
+          </p:cNvPr>
+          <p:cNvSpPr/>
+          <p:nvPr/>
+        </p:nvSpPr>
+        <p:spPr>
+          <a:xfrm>
+            <a:off x="6894698" y="3841571"/>
+            <a:ext cx="206477" cy="176778"/>
+          </a:xfrm>
+          <a:prstGeom prst="snipRoundRect">
+            <a:avLst/>
+          </a:prstGeom>
+        </p:spPr>
+        <p:style>
+          <a:lnRef idx="2">
+            <a:schemeClr val="accent4">
+              <a:shade val="50000"/>
+            </a:schemeClr>
+          </a:lnRef>
+          <a:fillRef idx="1">
+            <a:schemeClr val="accent4"/>
+          </a:fillRef>
+          <a:effectRef idx="0">
+            <a:schemeClr val="accent4"/>
+          </a:effectRef>
+          <a:fontRef idx="minor">
+            <a:schemeClr val="lt1"/>
+          </a:fontRef>
+        </p:style>
+        <p:txBody>
+          <a:bodyPr rtlCol="0" anchor="ctr"/>
+          <a:lstStyle/>
+          <a:p>
+            <a:pPr algn="ctr"/>
+            <a:endParaRPr lang="en-IN"/>
+          </a:p>
+        </p:txBody>
+      </p:sp>
+      <p:sp>
+        <p:nvSpPr>
+          <p:cNvPr id="62" name="Rectangle: Top Corners One Rounded and One Snipped 61">
+            <a:extLst>
+              <a:ext uri="{FF2B5EF4-FFF2-40B4-BE49-F238E27FC236}">
+                <a16:creationId xmlns:a16="http://schemas.microsoft.com/office/drawing/2014/main" id="{C2F65D35-4DF1-4153-8B06-70C05E865A64}"/>
+              </a:ext>
+            </a:extLst>
+          </p:cNvPr>
+          <p:cNvSpPr/>
+          <p:nvPr/>
+        </p:nvSpPr>
+        <p:spPr>
+          <a:xfrm>
+            <a:off x="8644058" y="3945144"/>
+            <a:ext cx="206477" cy="176778"/>
+          </a:xfrm>
+          <a:prstGeom prst="snipRoundRect">
+            <a:avLst/>
+          </a:prstGeom>
+        </p:spPr>
+        <p:style>
+          <a:lnRef idx="2">
+            <a:schemeClr val="accent4">
+              <a:shade val="50000"/>
+            </a:schemeClr>
+          </a:lnRef>
+          <a:fillRef idx="1">
+            <a:schemeClr val="accent4"/>
+          </a:fillRef>
+          <a:effectRef idx="0">
+            <a:schemeClr val="accent4"/>
+          </a:effectRef>
+          <a:fontRef idx="minor">
+            <a:schemeClr val="lt1"/>
+          </a:fontRef>
+        </p:style>
+        <p:txBody>
+          <a:bodyPr rtlCol="0" anchor="ctr"/>
+          <a:lstStyle/>
+          <a:p>
+            <a:pPr algn="ctr"/>
+            <a:endParaRPr lang="en-IN"/>
+          </a:p>
+        </p:txBody>
+      </p:sp>
+      <p:sp>
+        <p:nvSpPr>
+          <p:cNvPr id="72" name="Flowchart: Direct Access Storage 71">
+            <a:extLst>
+              <a:ext uri="{FF2B5EF4-FFF2-40B4-BE49-F238E27FC236}">
+                <a16:creationId xmlns:a16="http://schemas.microsoft.com/office/drawing/2014/main" id="{BDCAA42C-EB07-4C8B-A54C-6D5469AC55A6}"/>
+              </a:ext>
+            </a:extLst>
+          </p:cNvPr>
+          <p:cNvSpPr/>
+          <p:nvPr/>
+        </p:nvSpPr>
+        <p:spPr>
+          <a:xfrm>
+            <a:off x="7459038" y="6263850"/>
+            <a:ext cx="1394112" cy="420329"/>
+          </a:xfrm>
+          <a:prstGeom prst="flowChartMagneticDrum">
+            <a:avLst/>
+          </a:prstGeom>
+          <a:solidFill>
+            <a:srgbClr val="7030A0"/>
+          </a:solidFill>
+          <a:ln>
+            <a:solidFill>
+              <a:schemeClr val="bg1"/>
+            </a:solidFill>
+          </a:ln>
+        </p:spPr>
+        <p:style>
+          <a:lnRef idx="2">
+            <a:schemeClr val="accent1">
+              <a:shade val="50000"/>
+            </a:schemeClr>
+          </a:lnRef>
+          <a:fillRef idx="1">
+            <a:schemeClr val="accent1"/>
+          </a:fillRef>
+          <a:effectRef idx="0">
+            <a:schemeClr val="accent1"/>
+          </a:effectRef>
+          <a:fontRef idx="minor">
+            <a:schemeClr val="lt1"/>
+          </a:fontRef>
+        </p:style>
+        <p:txBody>
+          <a:bodyPr rtlCol="0" anchor="ctr"/>
+          <a:lstStyle/>
+          <a:p>
+            <a:pPr algn="ctr"/>
+            <a:r>
+              <a:rPr lang="en-US" sz="1200" b="1" dirty="0"/>
+              <a:t>Service Bus</a:t>
+            </a:r>
+            <a:endParaRPr lang="en-IN" sz="1200" b="1" dirty="0"/>
+          </a:p>
+        </p:txBody>
+      </p:sp>
+      <p:cxnSp>
+        <p:nvCxnSpPr>
+          <p:cNvPr id="75" name="Straight Arrow Connector 74">
+            <a:extLst>
+              <a:ext uri="{FF2B5EF4-FFF2-40B4-BE49-F238E27FC236}">
+                <a16:creationId xmlns:a16="http://schemas.microsoft.com/office/drawing/2014/main" id="{922D15A5-0B8C-47B0-9D9A-64BADFACD047}"/>
+              </a:ext>
+            </a:extLst>
+          </p:cNvPr>
+          <p:cNvCxnSpPr>
+            <a:stCxn id="48" idx="2"/>
+            <a:endCxn id="72" idx="1"/>
+          </p:cNvCxnSpPr>
+          <p:nvPr/>
+        </p:nvCxnSpPr>
+        <p:spPr>
+          <a:xfrm rot="16200000" flipH="1">
+            <a:off x="5868296" y="4883272"/>
+            <a:ext cx="595795" cy="2585690"/>
+          </a:xfrm>
+          <a:prstGeom prst="bentConnector2">
+            <a:avLst/>
+          </a:prstGeom>
+          <a:ln>
+            <a:tailEnd type="triangle"/>
+          </a:ln>
+        </p:spPr>
+        <p:style>
+          <a:lnRef idx="1">
+            <a:schemeClr val="accent1"/>
+          </a:lnRef>
+          <a:fillRef idx="0">
+            <a:schemeClr val="accent1"/>
+          </a:fillRef>
+          <a:effectRef idx="0">
+            <a:schemeClr val="accent1"/>
+          </a:effectRef>
+          <a:fontRef idx="minor">
+            <a:schemeClr val="tx1"/>
+          </a:fontRef>
+        </p:style>
+      </p:cxnSp>
+      <p:sp>
+        <p:nvSpPr>
+          <p:cNvPr id="76" name="Rectangle: Top Corners One Rounded and One Snipped 75">
+            <a:extLst>
+              <a:ext uri="{FF2B5EF4-FFF2-40B4-BE49-F238E27FC236}">
+                <a16:creationId xmlns:a16="http://schemas.microsoft.com/office/drawing/2014/main" id="{C350819E-A3F2-4814-A424-46EDF1B2F0E7}"/>
+              </a:ext>
+            </a:extLst>
+          </p:cNvPr>
+          <p:cNvSpPr/>
+          <p:nvPr/>
+        </p:nvSpPr>
+        <p:spPr>
+          <a:xfrm>
+            <a:off x="4943090" y="6229763"/>
+            <a:ext cx="206477" cy="176778"/>
+          </a:xfrm>
+          <a:prstGeom prst="snipRoundRect">
+            <a:avLst/>
+          </a:prstGeom>
+        </p:spPr>
+        <p:style>
+          <a:lnRef idx="2">
+            <a:schemeClr val="accent4">
+              <a:shade val="50000"/>
+            </a:schemeClr>
+          </a:lnRef>
+          <a:fillRef idx="1">
+            <a:schemeClr val="accent4"/>
+          </a:fillRef>
+          <a:effectRef idx="0">
+            <a:schemeClr val="accent4"/>
+          </a:effectRef>
+          <a:fontRef idx="minor">
+            <a:schemeClr val="lt1"/>
+          </a:fontRef>
+        </p:style>
+        <p:txBody>
+          <a:bodyPr rtlCol="0" anchor="ctr"/>
+          <a:lstStyle/>
+          <a:p>
+            <a:pPr algn="ctr"/>
+            <a:endParaRPr lang="en-IN" dirty="0"/>
+          </a:p>
+        </p:txBody>
+      </p:sp>
+      <p:sp>
+        <p:nvSpPr>
+          <p:cNvPr id="77" name="TextBox 76">
+            <a:extLst>
+              <a:ext uri="{FF2B5EF4-FFF2-40B4-BE49-F238E27FC236}">
+                <a16:creationId xmlns:a16="http://schemas.microsoft.com/office/drawing/2014/main" id="{6C0DA094-BEDD-4FE0-8142-3928BCFF6CEF}"/>
+              </a:ext>
+            </a:extLst>
+          </p:cNvPr>
+          <p:cNvSpPr txBox="1"/>
+          <p:nvPr/>
+        </p:nvSpPr>
+        <p:spPr>
+          <a:xfrm>
+            <a:off x="5112993" y="6176116"/>
+            <a:ext cx="2388711" cy="430887"/>
+          </a:xfrm>
+          <a:prstGeom prst="rect">
+            <a:avLst/>
+          </a:prstGeom>
+          <a:noFill/>
+        </p:spPr>
+        <p:txBody>
+          <a:bodyPr wrap="square" rtlCol="0">
+            <a:spAutoFit/>
+          </a:bodyPr>
+          <a:lstStyle/>
+          <a:p>
+            <a:r>
+              <a:rPr lang="en-IN" sz="1100" dirty="0" err="1"/>
+              <a:t>OrderStockConfirmedIntegrationEvent</a:t>
+            </a:r>
+            <a:endParaRPr lang="en-IN" sz="1100" dirty="0"/>
+          </a:p>
+          <a:p>
+            <a:r>
+              <a:rPr lang="en-IN" sz="1100" b="1" dirty="0"/>
+              <a:t>	OR</a:t>
+            </a:r>
+          </a:p>
+        </p:txBody>
+      </p:sp>
+      <p:sp>
+        <p:nvSpPr>
+          <p:cNvPr id="78" name="TextBox 77">
+            <a:extLst>
+              <a:ext uri="{FF2B5EF4-FFF2-40B4-BE49-F238E27FC236}">
+                <a16:creationId xmlns:a16="http://schemas.microsoft.com/office/drawing/2014/main" id="{513CB091-3055-49D6-952D-B5A47C834398}"/>
+              </a:ext>
+            </a:extLst>
+          </p:cNvPr>
+          <p:cNvSpPr txBox="1"/>
+          <p:nvPr/>
+        </p:nvSpPr>
+        <p:spPr>
+          <a:xfrm>
+            <a:off x="5123348" y="6479438"/>
+            <a:ext cx="2388711" cy="261610"/>
+          </a:xfrm>
+          <a:prstGeom prst="rect">
+            <a:avLst/>
+          </a:prstGeom>
+          <a:noFill/>
+        </p:spPr>
+        <p:txBody>
+          <a:bodyPr wrap="square" rtlCol="0">
+            <a:spAutoFit/>
+          </a:bodyPr>
+          <a:lstStyle/>
+          <a:p>
+            <a:r>
+              <a:rPr lang="en-IN" sz="1100" dirty="0" err="1"/>
+              <a:t>OrderStockRejectedIntegrationEvent</a:t>
+            </a:r>
+            <a:endParaRPr lang="en-IN" sz="1100" b="1" dirty="0"/>
+          </a:p>
+        </p:txBody>
+      </p:sp>
+      <p:sp>
+        <p:nvSpPr>
+          <p:cNvPr id="79" name="Rectangle: Top Corners One Rounded and One Snipped 78">
+            <a:extLst>
+              <a:ext uri="{FF2B5EF4-FFF2-40B4-BE49-F238E27FC236}">
+                <a16:creationId xmlns:a16="http://schemas.microsoft.com/office/drawing/2014/main" id="{369A2BD4-9078-41A4-94F6-0DCB998AA57A}"/>
+              </a:ext>
+            </a:extLst>
+          </p:cNvPr>
+          <p:cNvSpPr/>
+          <p:nvPr/>
+        </p:nvSpPr>
+        <p:spPr>
+          <a:xfrm>
+            <a:off x="4953445" y="6541967"/>
+            <a:ext cx="206477" cy="176778"/>
+          </a:xfrm>
+          <a:prstGeom prst="snipRoundRect">
+            <a:avLst/>
+          </a:prstGeom>
+        </p:spPr>
+        <p:style>
+          <a:lnRef idx="2">
+            <a:schemeClr val="accent4">
+              <a:shade val="50000"/>
+            </a:schemeClr>
+          </a:lnRef>
+          <a:fillRef idx="1">
+            <a:schemeClr val="accent4"/>
+          </a:fillRef>
+          <a:effectRef idx="0">
+            <a:schemeClr val="accent4"/>
+          </a:effectRef>
+          <a:fontRef idx="minor">
+            <a:schemeClr val="lt1"/>
+          </a:fontRef>
+        </p:style>
+        <p:txBody>
+          <a:bodyPr rtlCol="0" anchor="ctr"/>
+          <a:lstStyle/>
+          <a:p>
+            <a:pPr algn="ctr"/>
+            <a:endParaRPr lang="en-IN" dirty="0"/>
+          </a:p>
+        </p:txBody>
+      </p:sp>
+      <p:cxnSp>
+        <p:nvCxnSpPr>
+          <p:cNvPr id="81" name="Straight Arrow Connector 80">
+            <a:extLst>
+              <a:ext uri="{FF2B5EF4-FFF2-40B4-BE49-F238E27FC236}">
+                <a16:creationId xmlns:a16="http://schemas.microsoft.com/office/drawing/2014/main" id="{C98EEAD4-C631-43EE-95BB-C6174B63E18C}"/>
+              </a:ext>
+            </a:extLst>
+          </p:cNvPr>
+          <p:cNvCxnSpPr>
+            <a:stCxn id="72" idx="4"/>
+          </p:cNvCxnSpPr>
+          <p:nvPr/>
+        </p:nvCxnSpPr>
+        <p:spPr>
+          <a:xfrm flipV="1">
+            <a:off x="8853150" y="6474014"/>
+            <a:ext cx="921165" cy="1"/>
+          </a:xfrm>
+          <a:prstGeom prst="straightConnector1">
+            <a:avLst/>
+          </a:prstGeom>
+          <a:ln>
+            <a:tailEnd type="triangle"/>
+          </a:ln>
+        </p:spPr>
+        <p:style>
+          <a:lnRef idx="1">
+            <a:schemeClr val="accent1"/>
+          </a:lnRef>
+          <a:fillRef idx="0">
+            <a:schemeClr val="accent1"/>
+          </a:fillRef>
+          <a:effectRef idx="0">
+            <a:schemeClr val="accent1"/>
+          </a:effectRef>
+          <a:fontRef idx="minor">
+            <a:schemeClr val="tx1"/>
+          </a:fontRef>
+        </p:style>
+      </p:cxnSp>
+      <p:sp>
+        <p:nvSpPr>
+          <p:cNvPr id="82" name="TextBox 81">
+            <a:extLst>
+              <a:ext uri="{FF2B5EF4-FFF2-40B4-BE49-F238E27FC236}">
+                <a16:creationId xmlns:a16="http://schemas.microsoft.com/office/drawing/2014/main" id="{8FB26902-76AD-42A7-BACE-DC61619CCF58}"/>
+              </a:ext>
+            </a:extLst>
+          </p:cNvPr>
+          <p:cNvSpPr txBox="1"/>
+          <p:nvPr/>
+        </p:nvSpPr>
+        <p:spPr>
+          <a:xfrm>
+            <a:off x="9758155" y="6291802"/>
+            <a:ext cx="2567425" cy="338554"/>
+          </a:xfrm>
+          <a:prstGeom prst="rect">
+            <a:avLst/>
+          </a:prstGeom>
+          <a:noFill/>
+        </p:spPr>
+        <p:txBody>
+          <a:bodyPr wrap="square" rtlCol="0">
+            <a:spAutoFit/>
+          </a:bodyPr>
+          <a:lstStyle/>
+          <a:p>
+            <a:r>
+              <a:rPr lang="en-IN" sz="1600" b="1" dirty="0">
+                <a:solidFill>
+                  <a:srgbClr val="FF0000"/>
+                </a:solidFill>
+              </a:rPr>
+              <a:t>SEE NEXT SLIDE</a:t>
+            </a:r>
+            <a:endParaRPr lang="en-IN" sz="1050" b="1" dirty="0">
+              <a:solidFill>
+                <a:srgbClr val="FF0000"/>
+              </a:solidFill>
+            </a:endParaRPr>
+          </a:p>
+        </p:txBody>
+      </p:sp>
+    </p:spTree>
+    <p:extLst>
+      <p:ext uri="{BB962C8B-B14F-4D97-AF65-F5344CB8AC3E}">
+        <p14:creationId xmlns:p14="http://schemas.microsoft.com/office/powerpoint/2010/main" val="206975840"/>
       </p:ext>
     </p:extLst>
   </p:cSld>

--- a/eshoponcontainer/eshoponcontainers_ApplicationDesign.pptx
+++ b/eshoponcontainer/eshoponcontainers_ApplicationDesign.pptx
@@ -5,7 +5,7 @@
     <p:sldMasterId id="2147483648" r:id="rId1"/>
   </p:sldMasterIdLst>
   <p:notesMasterIdLst>
-    <p:notesMasterId r:id="rId7"/>
+    <p:notesMasterId r:id="rId8"/>
   </p:notesMasterIdLst>
   <p:sldIdLst>
     <p:sldId id="257" r:id="rId2"/>
@@ -13,6 +13,7 @@
     <p:sldId id="258" r:id="rId4"/>
     <p:sldId id="259" r:id="rId5"/>
     <p:sldId id="260" r:id="rId6"/>
+    <p:sldId id="261" r:id="rId7"/>
   </p:sldIdLst>
   <p:sldSz cx="12192000" cy="6858000"/>
   <p:notesSz cx="6858000" cy="9144000"/>
@@ -7851,12 +7852,8 @@
           <a:p>
             <a:pPr algn="ctr"/>
             <a:r>
-              <a:rPr lang="en-US" dirty="0" err="1"/>
-              <a:t>OrderValidation</a:t>
-            </a:r>
-            <a:r>
               <a:rPr lang="en-US" dirty="0"/>
-              <a:t> Flow</a:t>
+              <a:t>Order Validation Flow</a:t>
             </a:r>
             <a:endParaRPr lang="en-IN" dirty="0"/>
           </a:p>
@@ -9559,7 +9556,7 @@
         </p:nvSpPr>
         <p:spPr>
           <a:xfrm>
-            <a:off x="6894698" y="3841571"/>
+            <a:off x="6841430" y="3965859"/>
             <a:ext cx="206477" cy="176778"/>
           </a:xfrm>
           <a:prstGeom prst="snipRoundRect">
@@ -9605,7 +9602,7 @@
         </p:nvSpPr>
         <p:spPr>
           <a:xfrm>
-            <a:off x="8644058" y="3945144"/>
+            <a:off x="8644058" y="3980656"/>
             <a:ext cx="206477" cy="176778"/>
           </a:xfrm>
           <a:prstGeom prst="snipRoundRect">
@@ -9996,6 +9993,94 @@
     <p:extLst>
       <p:ext uri="{BB962C8B-B14F-4D97-AF65-F5344CB8AC3E}">
         <p14:creationId xmlns:p14="http://schemas.microsoft.com/office/powerpoint/2010/main" val="206975840"/>
+      </p:ext>
+    </p:extLst>
+  </p:cSld>
+  <p:clrMapOvr>
+    <a:masterClrMapping/>
+  </p:clrMapOvr>
+</p:sld>
+</file>
+
+<file path=ppt/slides/slide6.xml><?xml version="1.0" encoding="utf-8"?>
+<p:sld xmlns:a="http://schemas.openxmlformats.org/drawingml/2006/main" xmlns:r="http://schemas.openxmlformats.org/officeDocument/2006/relationships" xmlns:p="http://schemas.openxmlformats.org/presentationml/2006/main">
+  <p:cSld>
+    <p:spTree>
+      <p:nvGrpSpPr>
+        <p:cNvPr id="1" name=""/>
+        <p:cNvGrpSpPr/>
+        <p:nvPr/>
+      </p:nvGrpSpPr>
+      <p:grpSpPr>
+        <a:xfrm>
+          <a:off x="0" y="0"/>
+          <a:ext cx="0" cy="0"/>
+          <a:chOff x="0" y="0"/>
+          <a:chExt cx="0" cy="0"/>
+        </a:xfrm>
+      </p:grpSpPr>
+      <p:sp>
+        <p:nvSpPr>
+          <p:cNvPr id="5" name="Flowchart: Direct Access Storage 4">
+            <a:extLst>
+              <a:ext uri="{FF2B5EF4-FFF2-40B4-BE49-F238E27FC236}">
+                <a16:creationId xmlns:a16="http://schemas.microsoft.com/office/drawing/2014/main" id="{DFBFB755-6BD9-4E14-AA3E-54D6F2CC19F7}"/>
+              </a:ext>
+            </a:extLst>
+          </p:cNvPr>
+          <p:cNvSpPr/>
+          <p:nvPr/>
+        </p:nvSpPr>
+        <p:spPr>
+          <a:xfrm>
+            <a:off x="294759" y="315811"/>
+            <a:ext cx="1394112" cy="420329"/>
+          </a:xfrm>
+          <a:prstGeom prst="flowChartMagneticDrum">
+            <a:avLst/>
+          </a:prstGeom>
+          <a:solidFill>
+            <a:srgbClr val="7030A0"/>
+          </a:solidFill>
+          <a:ln>
+            <a:solidFill>
+              <a:schemeClr val="bg1"/>
+            </a:solidFill>
+          </a:ln>
+        </p:spPr>
+        <p:style>
+          <a:lnRef idx="2">
+            <a:schemeClr val="accent1">
+              <a:shade val="50000"/>
+            </a:schemeClr>
+          </a:lnRef>
+          <a:fillRef idx="1">
+            <a:schemeClr val="accent1"/>
+          </a:fillRef>
+          <a:effectRef idx="0">
+            <a:schemeClr val="accent1"/>
+          </a:effectRef>
+          <a:fontRef idx="minor">
+            <a:schemeClr val="lt1"/>
+          </a:fontRef>
+        </p:style>
+        <p:txBody>
+          <a:bodyPr rtlCol="0" anchor="ctr"/>
+          <a:lstStyle/>
+          <a:p>
+            <a:pPr algn="ctr"/>
+            <a:r>
+              <a:rPr lang="en-US" sz="1200" b="1" dirty="0"/>
+              <a:t>Service Bus</a:t>
+            </a:r>
+            <a:endParaRPr lang="en-IN" sz="1200" b="1" dirty="0"/>
+          </a:p>
+        </p:txBody>
+      </p:sp>
+    </p:spTree>
+    <p:extLst>
+      <p:ext uri="{BB962C8B-B14F-4D97-AF65-F5344CB8AC3E}">
+        <p14:creationId xmlns:p14="http://schemas.microsoft.com/office/powerpoint/2010/main" val="2013216727"/>
       </p:ext>
     </p:extLst>
   </p:cSld>
